--- a/Srinivas Project.pptx
+++ b/Srinivas Project.pptx
@@ -5,7 +5,7 @@
     <p:sldMasterId id="2147483648" r:id="rId1"/>
   </p:sldMasterIdLst>
   <p:notesMasterIdLst>
-    <p:notesMasterId r:id="rId12"/>
+    <p:notesMasterId r:id="rId15"/>
   </p:notesMasterIdLst>
   <p:sldIdLst>
     <p:sldId id="256" r:id="rId2"/>
@@ -18,6 +18,9 @@
     <p:sldId id="263" r:id="rId9"/>
     <p:sldId id="264" r:id="rId10"/>
     <p:sldId id="265" r:id="rId11"/>
+    <p:sldId id="267" r:id="rId12"/>
+    <p:sldId id="268" r:id="rId13"/>
+    <p:sldId id="266" r:id="rId14"/>
   </p:sldIdLst>
   <p:sldSz cx="14630400" cy="8229600"/>
   <p:notesSz cx="8229600" cy="14630400"/>
@@ -405,6 +408,258 @@
     <p:extLst>
       <p:ext uri="{BB962C8B-B14F-4D97-AF65-F5344CB8AC3E}">
         <p14:creationId xmlns:p14="http://schemas.microsoft.com/office/powerpoint/2010/main" val="1024086991"/>
+      </p:ext>
+    </p:extLst>
+  </p:cSld>
+  <p:clrMapOvr>
+    <a:masterClrMapping/>
+  </p:clrMapOvr>
+</p:notes>
+</file>
+
+<file path=ppt/notesSlides/notesSlide11.xml><?xml version="1.0" encoding="utf-8"?>
+<p:notes xmlns:a="http://schemas.openxmlformats.org/drawingml/2006/main" xmlns:r="http://schemas.openxmlformats.org/officeDocument/2006/relationships" xmlns:p="http://schemas.openxmlformats.org/presentationml/2006/main">
+  <p:cSld>
+    <p:spTree>
+      <p:nvGrpSpPr>
+        <p:cNvPr id="1" name=""/>
+        <p:cNvGrpSpPr/>
+        <p:nvPr/>
+      </p:nvGrpSpPr>
+      <p:grpSpPr>
+        <a:xfrm>
+          <a:off x="0" y="0"/>
+          <a:ext cx="0" cy="0"/>
+          <a:chOff x="0" y="0"/>
+          <a:chExt cx="0" cy="0"/>
+        </a:xfrm>
+      </p:grpSpPr>
+      <p:sp>
+        <p:nvSpPr>
+          <p:cNvPr id="2" name="Slide Image Placeholder 1"/>
+          <p:cNvSpPr>
+            <a:spLocks noGrp="1" noRot="1" noChangeAspect="1"/>
+          </p:cNvSpPr>
+          <p:nvPr>
+            <p:ph type="sldImg"/>
+          </p:nvPr>
+        </p:nvSpPr>
+        <p:spPr/>
+      </p:sp>
+      <p:sp>
+        <p:nvSpPr>
+          <p:cNvPr id="3" name="Notes Placeholder 2"/>
+          <p:cNvSpPr>
+            <a:spLocks noGrp="1"/>
+          </p:cNvSpPr>
+          <p:nvPr>
+            <p:ph type="body" idx="1"/>
+          </p:nvPr>
+        </p:nvSpPr>
+        <p:spPr/>
+        <p:txBody>
+          <a:bodyPr/>
+          <a:lstStyle/>
+          <a:p>
+            <a:endParaRPr lang="en-US" dirty="0"/>
+          </a:p>
+        </p:txBody>
+      </p:sp>
+      <p:sp>
+        <p:nvSpPr>
+          <p:cNvPr id="4" name="Slide Number Placeholder 3"/>
+          <p:cNvSpPr>
+            <a:spLocks noGrp="1"/>
+          </p:cNvSpPr>
+          <p:nvPr>
+            <p:ph type="sldNum" sz="quarter" idx="10"/>
+          </p:nvPr>
+        </p:nvSpPr>
+        <p:spPr/>
+        <p:txBody>
+          <a:bodyPr/>
+          <a:lstStyle/>
+          <a:p>
+            <a:fld id="{F7021451-1387-4CA6-816F-3879F97B5CBC}" type="slidenum">
+              <a:rPr lang="en-US"/>
+              <a:t>11</a:t>
+            </a:fld>
+            <a:endParaRPr lang="en-US"/>
+          </a:p>
+        </p:txBody>
+      </p:sp>
+    </p:spTree>
+    <p:extLst>
+      <p:ext uri="{BB962C8B-B14F-4D97-AF65-F5344CB8AC3E}">
+        <p14:creationId xmlns:p14="http://schemas.microsoft.com/office/powerpoint/2010/main" val="267747092"/>
+      </p:ext>
+    </p:extLst>
+  </p:cSld>
+  <p:clrMapOvr>
+    <a:masterClrMapping/>
+  </p:clrMapOvr>
+</p:notes>
+</file>
+
+<file path=ppt/notesSlides/notesSlide12.xml><?xml version="1.0" encoding="utf-8"?>
+<p:notes xmlns:a="http://schemas.openxmlformats.org/drawingml/2006/main" xmlns:r="http://schemas.openxmlformats.org/officeDocument/2006/relationships" xmlns:p="http://schemas.openxmlformats.org/presentationml/2006/main">
+  <p:cSld>
+    <p:spTree>
+      <p:nvGrpSpPr>
+        <p:cNvPr id="1" name=""/>
+        <p:cNvGrpSpPr/>
+        <p:nvPr/>
+      </p:nvGrpSpPr>
+      <p:grpSpPr>
+        <a:xfrm>
+          <a:off x="0" y="0"/>
+          <a:ext cx="0" cy="0"/>
+          <a:chOff x="0" y="0"/>
+          <a:chExt cx="0" cy="0"/>
+        </a:xfrm>
+      </p:grpSpPr>
+      <p:sp>
+        <p:nvSpPr>
+          <p:cNvPr id="2" name="Slide Image Placeholder 1"/>
+          <p:cNvSpPr>
+            <a:spLocks noGrp="1" noRot="1" noChangeAspect="1"/>
+          </p:cNvSpPr>
+          <p:nvPr>
+            <p:ph type="sldImg"/>
+          </p:nvPr>
+        </p:nvSpPr>
+        <p:spPr/>
+      </p:sp>
+      <p:sp>
+        <p:nvSpPr>
+          <p:cNvPr id="3" name="Notes Placeholder 2"/>
+          <p:cNvSpPr>
+            <a:spLocks noGrp="1"/>
+          </p:cNvSpPr>
+          <p:nvPr>
+            <p:ph type="body" idx="1"/>
+          </p:nvPr>
+        </p:nvSpPr>
+        <p:spPr/>
+        <p:txBody>
+          <a:bodyPr/>
+          <a:lstStyle/>
+          <a:p>
+            <a:endParaRPr lang="en-US" dirty="0"/>
+          </a:p>
+        </p:txBody>
+      </p:sp>
+      <p:sp>
+        <p:nvSpPr>
+          <p:cNvPr id="4" name="Slide Number Placeholder 3"/>
+          <p:cNvSpPr>
+            <a:spLocks noGrp="1"/>
+          </p:cNvSpPr>
+          <p:nvPr>
+            <p:ph type="sldNum" sz="quarter" idx="10"/>
+          </p:nvPr>
+        </p:nvSpPr>
+        <p:spPr/>
+        <p:txBody>
+          <a:bodyPr/>
+          <a:lstStyle/>
+          <a:p>
+            <a:fld id="{F7021451-1387-4CA6-816F-3879F97B5CBC}" type="slidenum">
+              <a:rPr lang="en-US"/>
+              <a:t>12</a:t>
+            </a:fld>
+            <a:endParaRPr lang="en-US"/>
+          </a:p>
+        </p:txBody>
+      </p:sp>
+    </p:spTree>
+    <p:extLst>
+      <p:ext uri="{BB962C8B-B14F-4D97-AF65-F5344CB8AC3E}">
+        <p14:creationId xmlns:p14="http://schemas.microsoft.com/office/powerpoint/2010/main" val="762173687"/>
+      </p:ext>
+    </p:extLst>
+  </p:cSld>
+  <p:clrMapOvr>
+    <a:masterClrMapping/>
+  </p:clrMapOvr>
+</p:notes>
+</file>
+
+<file path=ppt/notesSlides/notesSlide13.xml><?xml version="1.0" encoding="utf-8"?>
+<p:notes xmlns:a="http://schemas.openxmlformats.org/drawingml/2006/main" xmlns:r="http://schemas.openxmlformats.org/officeDocument/2006/relationships" xmlns:p="http://schemas.openxmlformats.org/presentationml/2006/main">
+  <p:cSld>
+    <p:spTree>
+      <p:nvGrpSpPr>
+        <p:cNvPr id="1" name=""/>
+        <p:cNvGrpSpPr/>
+        <p:nvPr/>
+      </p:nvGrpSpPr>
+      <p:grpSpPr>
+        <a:xfrm>
+          <a:off x="0" y="0"/>
+          <a:ext cx="0" cy="0"/>
+          <a:chOff x="0" y="0"/>
+          <a:chExt cx="0" cy="0"/>
+        </a:xfrm>
+      </p:grpSpPr>
+      <p:sp>
+        <p:nvSpPr>
+          <p:cNvPr id="2" name="Slide Image Placeholder 1"/>
+          <p:cNvSpPr>
+            <a:spLocks noGrp="1" noRot="1" noChangeAspect="1"/>
+          </p:cNvSpPr>
+          <p:nvPr>
+            <p:ph type="sldImg"/>
+          </p:nvPr>
+        </p:nvSpPr>
+        <p:spPr/>
+      </p:sp>
+      <p:sp>
+        <p:nvSpPr>
+          <p:cNvPr id="3" name="Notes Placeholder 2"/>
+          <p:cNvSpPr>
+            <a:spLocks noGrp="1"/>
+          </p:cNvSpPr>
+          <p:nvPr>
+            <p:ph type="body" idx="1"/>
+          </p:nvPr>
+        </p:nvSpPr>
+        <p:spPr/>
+        <p:txBody>
+          <a:bodyPr/>
+          <a:lstStyle/>
+          <a:p>
+            <a:endParaRPr lang="en-US" dirty="0"/>
+          </a:p>
+        </p:txBody>
+      </p:sp>
+      <p:sp>
+        <p:nvSpPr>
+          <p:cNvPr id="4" name="Slide Number Placeholder 3"/>
+          <p:cNvSpPr>
+            <a:spLocks noGrp="1"/>
+          </p:cNvSpPr>
+          <p:nvPr>
+            <p:ph type="sldNum" sz="quarter" idx="10"/>
+          </p:nvPr>
+        </p:nvSpPr>
+        <p:spPr/>
+        <p:txBody>
+          <a:bodyPr/>
+          <a:lstStyle/>
+          <a:p>
+            <a:fld id="{F7021451-1387-4CA6-816F-3879F97B5CBC}" type="slidenum">
+              <a:rPr lang="en-US"/>
+              <a:t>13</a:t>
+            </a:fld>
+            <a:endParaRPr lang="en-US"/>
+          </a:p>
+        </p:txBody>
+      </p:sp>
+    </p:spTree>
+    <p:extLst>
+      <p:ext uri="{BB962C8B-B14F-4D97-AF65-F5344CB8AC3E}">
+        <p14:creationId xmlns:p14="http://schemas.microsoft.com/office/powerpoint/2010/main" val="1458320596"/>
       </p:ext>
     </p:extLst>
   </p:cSld>
@@ -1630,32 +1885,66 @@
           </a:p>
         </p:txBody>
       </p:sp>
-      <p:pic>
-        <p:nvPicPr>
-          <p:cNvPr id="10" name="Image 2" descr="preencoded.png">
-            <a:hlinkClick r:id="rId4"/>
+      <p:sp>
+        <p:nvSpPr>
+          <p:cNvPr id="8" name="Text 5">
+            <a:extLst>
+              <a:ext uri="{FF2B5EF4-FFF2-40B4-BE49-F238E27FC236}">
+                <a16:creationId xmlns:a16="http://schemas.microsoft.com/office/drawing/2014/main" id="{6D659858-2021-0D19-205E-3CDF9F1C8EAC}"/>
+              </a:ext>
+            </a:extLst>
           </p:cNvPr>
-          <p:cNvPicPr>
-            <a:picLocks noChangeAspect="1"/>
-          </p:cNvPicPr>
-          <p:nvPr/>
-        </p:nvPicPr>
-        <p:blipFill>
-          <a:blip r:embed="rId5"/>
-          <a:stretch>
-            <a:fillRect/>
-          </a:stretch>
-        </p:blipFill>
-        <p:spPr>
-          <a:xfrm>
-            <a:off x="12242153" y="7589520"/>
-            <a:ext cx="2296807" cy="548640"/>
-          </a:xfrm>
-          <a:prstGeom prst="rect">
-            <a:avLst/>
-          </a:prstGeom>
-        </p:spPr>
-      </p:pic>
+          <p:cNvSpPr/>
+          <p:nvPr/>
+        </p:nvSpPr>
+        <p:spPr>
+          <a:xfrm>
+            <a:off x="1292066" y="6225540"/>
+            <a:ext cx="3421262" cy="388858"/>
+          </a:xfrm>
+          <a:prstGeom prst="rect">
+            <a:avLst/>
+          </a:prstGeom>
+          <a:noFill/>
+          <a:ln/>
+        </p:spPr>
+        <p:txBody>
+          <a:bodyPr wrap="none" rtlCol="0" anchor="t"/>
+          <a:lstStyle/>
+          <a:p>
+            <a:pPr marL="0" indent="0" algn="l">
+              <a:lnSpc>
+                <a:spcPts val="3062"/>
+              </a:lnSpc>
+              <a:buNone/>
+            </a:pPr>
+            <a:r>
+              <a:rPr lang="en-US" sz="2187" b="1" dirty="0">
+                <a:solidFill>
+                  <a:srgbClr val="2B4150"/>
+                </a:solidFill>
+                <a:latin typeface="Source Sans Pro" pitchFamily="34" charset="0"/>
+                <a:ea typeface="Source Sans Pro" pitchFamily="34" charset="-122"/>
+                <a:cs typeface="Source Sans Pro" pitchFamily="34" charset="-120"/>
+              </a:rPr>
+              <a:t>GitHub URL:  </a:t>
+            </a:r>
+            <a:r>
+              <a:rPr lang="en-US" sz="2187" b="1" dirty="0">
+                <a:solidFill>
+                  <a:srgbClr val="2B4150"/>
+                </a:solidFill>
+                <a:latin typeface="Source Sans Pro" pitchFamily="34" charset="0"/>
+                <a:ea typeface="Source Sans Pro" pitchFamily="34" charset="-122"/>
+                <a:cs typeface="Source Sans Pro" pitchFamily="34" charset="-120"/>
+                <a:hlinkClick r:id="rId4"/>
+              </a:rPr>
+              <a:t>GitHub Project URL</a:t>
+            </a:r>
+            <a:endParaRPr lang="en-US" sz="2187" dirty="0"/>
+          </a:p>
+        </p:txBody>
+      </p:sp>
     </p:spTree>
   </p:cSld>
   <p:clrMapOvr>
@@ -2171,10 +2460,183 @@
           </a:p>
         </p:txBody>
       </p:sp>
+    </p:spTree>
+  </p:cSld>
+  <p:clrMapOvr>
+    <a:masterClrMapping/>
+  </p:clrMapOvr>
+</p:sld>
+</file>
+
+<file path=ppt/slides/slide11.xml><?xml version="1.0" encoding="utf-8"?>
+<p:sld xmlns:a="http://schemas.openxmlformats.org/drawingml/2006/main" xmlns:r="http://schemas.openxmlformats.org/officeDocument/2006/relationships" xmlns:p="http://schemas.openxmlformats.org/presentationml/2006/main">
+  <p:cSld>
+    <p:spTree>
+      <p:nvGrpSpPr>
+        <p:cNvPr id="1" name=""/>
+        <p:cNvGrpSpPr/>
+        <p:nvPr/>
+      </p:nvGrpSpPr>
+      <p:grpSpPr>
+        <a:xfrm>
+          <a:off x="0" y="0"/>
+          <a:ext cx="0" cy="0"/>
+          <a:chOff x="0" y="0"/>
+          <a:chExt cx="0" cy="0"/>
+        </a:xfrm>
+      </p:grpSpPr>
+      <p:sp>
+        <p:nvSpPr>
+          <p:cNvPr id="2" name="Shape 0"/>
+          <p:cNvSpPr/>
+          <p:nvPr/>
+        </p:nvSpPr>
+        <p:spPr>
+          <a:xfrm>
+            <a:off x="0" y="0"/>
+            <a:ext cx="14630400" cy="8229600"/>
+          </a:xfrm>
+          <a:prstGeom prst="rect">
+            <a:avLst/>
+          </a:prstGeom>
+          <a:solidFill>
+            <a:srgbClr val="50738C"/>
+          </a:solidFill>
+          <a:ln/>
+        </p:spPr>
+      </p:sp>
+      <p:sp>
+        <p:nvSpPr>
+          <p:cNvPr id="3" name="Shape 1"/>
+          <p:cNvSpPr/>
+          <p:nvPr/>
+        </p:nvSpPr>
+        <p:spPr>
+          <a:xfrm>
+            <a:off x="0" y="0"/>
+            <a:ext cx="14630400" cy="8229600"/>
+          </a:xfrm>
+          <a:prstGeom prst="rect">
+            <a:avLst/>
+          </a:prstGeom>
+          <a:solidFill>
+            <a:srgbClr val="FFFCF5"/>
+          </a:solidFill>
+          <a:ln/>
+        </p:spPr>
+      </p:sp>
+      <p:sp>
+        <p:nvSpPr>
+          <p:cNvPr id="4" name="Text 2"/>
+          <p:cNvSpPr/>
+          <p:nvPr/>
+        </p:nvSpPr>
+        <p:spPr>
+          <a:xfrm>
+            <a:off x="871717" y="669536"/>
+            <a:ext cx="5554980" cy="694373"/>
+          </a:xfrm>
+          <a:prstGeom prst="rect">
+            <a:avLst/>
+          </a:prstGeom>
+          <a:noFill/>
+          <a:ln/>
+        </p:spPr>
+        <p:txBody>
+          <a:bodyPr wrap="none" rtlCol="0" anchor="t"/>
+          <a:lstStyle/>
+          <a:p>
+            <a:pPr marL="0" indent="0">
+              <a:lnSpc>
+                <a:spcPts val="5468"/>
+              </a:lnSpc>
+              <a:buNone/>
+            </a:pPr>
+            <a:r>
+              <a:rPr lang="en-US" sz="4374" u="sng" dirty="0">
+                <a:solidFill>
+                  <a:srgbClr val="124E73"/>
+                </a:solidFill>
+                <a:latin typeface="MuseoModerno" pitchFamily="34" charset="0"/>
+                <a:ea typeface="MuseoModerno" pitchFamily="34" charset="-122"/>
+                <a:cs typeface="MuseoModerno" pitchFamily="34" charset="-120"/>
+              </a:rPr>
+              <a:t>Output</a:t>
+            </a:r>
+            <a:endParaRPr lang="en-US" sz="4374" u="sng" dirty="0"/>
+          </a:p>
+        </p:txBody>
+      </p:sp>
+      <p:sp>
+        <p:nvSpPr>
+          <p:cNvPr id="5" name="Text 3"/>
+          <p:cNvSpPr/>
+          <p:nvPr/>
+        </p:nvSpPr>
+        <p:spPr>
+          <a:xfrm>
+            <a:off x="2037993" y="2862382"/>
+            <a:ext cx="5006221" cy="1999536"/>
+          </a:xfrm>
+          <a:prstGeom prst="rect">
+            <a:avLst/>
+          </a:prstGeom>
+          <a:noFill/>
+          <a:ln/>
+        </p:spPr>
+        <p:txBody>
+          <a:bodyPr wrap="square" rtlCol="0" anchor="t"/>
+          <a:lstStyle/>
+          <a:p>
+            <a:pPr marL="0" indent="0">
+              <a:lnSpc>
+                <a:spcPts val="2624"/>
+              </a:lnSpc>
+              <a:buNone/>
+            </a:pPr>
+            <a:endParaRPr lang="en-US" sz="1750" dirty="0"/>
+          </a:p>
+        </p:txBody>
+      </p:sp>
+      <p:sp>
+        <p:nvSpPr>
+          <p:cNvPr id="6" name="Text 4"/>
+          <p:cNvSpPr/>
+          <p:nvPr/>
+        </p:nvSpPr>
+        <p:spPr>
+          <a:xfrm>
+            <a:off x="2037993" y="5061823"/>
+            <a:ext cx="5006221" cy="1333024"/>
+          </a:xfrm>
+          <a:prstGeom prst="rect">
+            <a:avLst/>
+          </a:prstGeom>
+          <a:noFill/>
+          <a:ln/>
+        </p:spPr>
+        <p:txBody>
+          <a:bodyPr wrap="square" rtlCol="0" anchor="t"/>
+          <a:lstStyle/>
+          <a:p>
+            <a:pPr marL="0" indent="0">
+              <a:lnSpc>
+                <a:spcPts val="2624"/>
+              </a:lnSpc>
+              <a:buNone/>
+            </a:pPr>
+            <a:endParaRPr lang="en-US" sz="1750" dirty="0"/>
+          </a:p>
+        </p:txBody>
+      </p:sp>
       <p:pic>
         <p:nvPicPr>
-          <p:cNvPr id="16" name="Image 3" descr="preencoded.png">
-            <a:hlinkClick r:id="rId6"/>
+          <p:cNvPr id="11" name="Picture 10">
+            <a:extLst>
+              <a:ext uri="{FF2B5EF4-FFF2-40B4-BE49-F238E27FC236}">
+                <a16:creationId xmlns:a16="http://schemas.microsoft.com/office/drawing/2014/main" id="{F5AE3BA0-DD94-21E6-BCC9-9F426E23B849}"/>
+              </a:ext>
+            </a:extLst>
           </p:cNvPr>
           <p:cNvPicPr>
             <a:picLocks noChangeAspect="1"/>
@@ -2182,15 +2644,61 @@
           <p:nvPr/>
         </p:nvPicPr>
         <p:blipFill>
-          <a:blip r:embed="rId7"/>
+          <a:blip r:embed="rId3"/>
           <a:stretch>
             <a:fillRect/>
           </a:stretch>
         </p:blipFill>
         <p:spPr>
           <a:xfrm>
-            <a:off x="12242153" y="7589520"/>
-            <a:ext cx="2296807" cy="548640"/>
+            <a:off x="753203" y="2033445"/>
+            <a:ext cx="2896004" cy="3305636"/>
+          </a:xfrm>
+          <a:prstGeom prst="rect">
+            <a:avLst/>
+          </a:prstGeom>
+        </p:spPr>
+        <p:style>
+          <a:lnRef idx="2">
+            <a:schemeClr val="accent4">
+              <a:shade val="15000"/>
+            </a:schemeClr>
+          </a:lnRef>
+          <a:fillRef idx="1">
+            <a:schemeClr val="accent4"/>
+          </a:fillRef>
+          <a:effectRef idx="0">
+            <a:schemeClr val="accent4"/>
+          </a:effectRef>
+          <a:fontRef idx="minor">
+            <a:schemeClr val="lt1"/>
+          </a:fontRef>
+        </p:style>
+      </p:pic>
+      <p:pic>
+        <p:nvPicPr>
+          <p:cNvPr id="8" name="Picture 7">
+            <a:extLst>
+              <a:ext uri="{FF2B5EF4-FFF2-40B4-BE49-F238E27FC236}">
+                <a16:creationId xmlns:a16="http://schemas.microsoft.com/office/drawing/2014/main" id="{592040E0-E010-DA2D-C2A8-D80A7E326866}"/>
+              </a:ext>
+            </a:extLst>
+          </p:cNvPr>
+          <p:cNvPicPr>
+            <a:picLocks noChangeAspect="1"/>
+          </p:cNvPicPr>
+          <p:nvPr/>
+        </p:nvPicPr>
+        <p:blipFill>
+          <a:blip r:embed="rId4"/>
+          <a:stretch>
+            <a:fillRect/>
+          </a:stretch>
+        </p:blipFill>
+        <p:spPr>
+          <a:xfrm>
+            <a:off x="4458487" y="1989921"/>
+            <a:ext cx="9362633" cy="5266481"/>
           </a:xfrm>
           <a:prstGeom prst="rect">
             <a:avLst/>
@@ -2198,6 +2706,404 @@
         </p:spPr>
       </p:pic>
     </p:spTree>
+    <p:extLst>
+      <p:ext uri="{BB962C8B-B14F-4D97-AF65-F5344CB8AC3E}">
+        <p14:creationId xmlns:p14="http://schemas.microsoft.com/office/powerpoint/2010/main" val="500689866"/>
+      </p:ext>
+    </p:extLst>
+  </p:cSld>
+  <p:clrMapOvr>
+    <a:masterClrMapping/>
+  </p:clrMapOvr>
+</p:sld>
+</file>
+
+<file path=ppt/slides/slide12.xml><?xml version="1.0" encoding="utf-8"?>
+<p:sld xmlns:a="http://schemas.openxmlformats.org/drawingml/2006/main" xmlns:r="http://schemas.openxmlformats.org/officeDocument/2006/relationships" xmlns:p="http://schemas.openxmlformats.org/presentationml/2006/main">
+  <p:cSld>
+    <p:spTree>
+      <p:nvGrpSpPr>
+        <p:cNvPr id="1" name=""/>
+        <p:cNvGrpSpPr/>
+        <p:nvPr/>
+      </p:nvGrpSpPr>
+      <p:grpSpPr>
+        <a:xfrm>
+          <a:off x="0" y="0"/>
+          <a:ext cx="0" cy="0"/>
+          <a:chOff x="0" y="0"/>
+          <a:chExt cx="0" cy="0"/>
+        </a:xfrm>
+      </p:grpSpPr>
+      <p:sp>
+        <p:nvSpPr>
+          <p:cNvPr id="2" name="Shape 0"/>
+          <p:cNvSpPr/>
+          <p:nvPr/>
+        </p:nvSpPr>
+        <p:spPr>
+          <a:xfrm>
+            <a:off x="0" y="0"/>
+            <a:ext cx="14630400" cy="8229600"/>
+          </a:xfrm>
+          <a:prstGeom prst="rect">
+            <a:avLst/>
+          </a:prstGeom>
+          <a:solidFill>
+            <a:srgbClr val="50738C"/>
+          </a:solidFill>
+          <a:ln/>
+        </p:spPr>
+      </p:sp>
+      <p:sp>
+        <p:nvSpPr>
+          <p:cNvPr id="3" name="Shape 1"/>
+          <p:cNvSpPr/>
+          <p:nvPr/>
+        </p:nvSpPr>
+        <p:spPr>
+          <a:xfrm>
+            <a:off x="0" y="0"/>
+            <a:ext cx="14630400" cy="8229600"/>
+          </a:xfrm>
+          <a:prstGeom prst="rect">
+            <a:avLst/>
+          </a:prstGeom>
+          <a:solidFill>
+            <a:srgbClr val="FFFCF5"/>
+          </a:solidFill>
+          <a:ln/>
+        </p:spPr>
+      </p:sp>
+      <p:sp>
+        <p:nvSpPr>
+          <p:cNvPr id="4" name="Text 2"/>
+          <p:cNvSpPr/>
+          <p:nvPr/>
+        </p:nvSpPr>
+        <p:spPr>
+          <a:xfrm>
+            <a:off x="663372" y="303877"/>
+            <a:ext cx="5554980" cy="694373"/>
+          </a:xfrm>
+          <a:prstGeom prst="rect">
+            <a:avLst/>
+          </a:prstGeom>
+          <a:noFill/>
+          <a:ln/>
+        </p:spPr>
+        <p:txBody>
+          <a:bodyPr wrap="none" rtlCol="0" anchor="t"/>
+          <a:lstStyle/>
+          <a:p>
+            <a:pPr marL="0" indent="0">
+              <a:lnSpc>
+                <a:spcPts val="5468"/>
+              </a:lnSpc>
+              <a:buNone/>
+            </a:pPr>
+            <a:r>
+              <a:rPr lang="en-US" sz="4374" u="sng" dirty="0">
+                <a:solidFill>
+                  <a:srgbClr val="124E73"/>
+                </a:solidFill>
+                <a:latin typeface="MuseoModerno" pitchFamily="34" charset="0"/>
+                <a:ea typeface="MuseoModerno" pitchFamily="34" charset="-122"/>
+                <a:cs typeface="MuseoModerno" pitchFamily="34" charset="-120"/>
+              </a:rPr>
+              <a:t>Output</a:t>
+            </a:r>
+            <a:endParaRPr lang="en-US" sz="4374" u="sng" dirty="0"/>
+          </a:p>
+        </p:txBody>
+      </p:sp>
+      <p:sp>
+        <p:nvSpPr>
+          <p:cNvPr id="5" name="Text 3"/>
+          <p:cNvSpPr/>
+          <p:nvPr/>
+        </p:nvSpPr>
+        <p:spPr>
+          <a:xfrm>
+            <a:off x="2037993" y="2862382"/>
+            <a:ext cx="5006221" cy="1999536"/>
+          </a:xfrm>
+          <a:prstGeom prst="rect">
+            <a:avLst/>
+          </a:prstGeom>
+          <a:noFill/>
+          <a:ln/>
+        </p:spPr>
+        <p:txBody>
+          <a:bodyPr wrap="square" rtlCol="0" anchor="t"/>
+          <a:lstStyle/>
+          <a:p>
+            <a:pPr marL="0" indent="0">
+              <a:lnSpc>
+                <a:spcPts val="2624"/>
+              </a:lnSpc>
+              <a:buNone/>
+            </a:pPr>
+            <a:endParaRPr lang="en-US" sz="1750" dirty="0"/>
+          </a:p>
+        </p:txBody>
+      </p:sp>
+      <p:sp>
+        <p:nvSpPr>
+          <p:cNvPr id="6" name="Text 4"/>
+          <p:cNvSpPr/>
+          <p:nvPr/>
+        </p:nvSpPr>
+        <p:spPr>
+          <a:xfrm>
+            <a:off x="2037993" y="5061823"/>
+            <a:ext cx="5006221" cy="1333024"/>
+          </a:xfrm>
+          <a:prstGeom prst="rect">
+            <a:avLst/>
+          </a:prstGeom>
+          <a:noFill/>
+          <a:ln/>
+        </p:spPr>
+        <p:txBody>
+          <a:bodyPr wrap="square" rtlCol="0" anchor="t"/>
+          <a:lstStyle/>
+          <a:p>
+            <a:pPr marL="0" indent="0">
+              <a:lnSpc>
+                <a:spcPts val="2624"/>
+              </a:lnSpc>
+              <a:buNone/>
+            </a:pPr>
+            <a:endParaRPr lang="en-US" sz="1750" dirty="0"/>
+          </a:p>
+        </p:txBody>
+      </p:sp>
+      <p:pic>
+        <p:nvPicPr>
+          <p:cNvPr id="9" name="Picture 8">
+            <a:extLst>
+              <a:ext uri="{FF2B5EF4-FFF2-40B4-BE49-F238E27FC236}">
+                <a16:creationId xmlns:a16="http://schemas.microsoft.com/office/drawing/2014/main" id="{DB3EF259-96BC-C996-C0DA-64468A3FE7AD}"/>
+              </a:ext>
+            </a:extLst>
+          </p:cNvPr>
+          <p:cNvPicPr>
+            <a:picLocks noChangeAspect="1"/>
+          </p:cNvPicPr>
+          <p:nvPr/>
+        </p:nvPicPr>
+        <p:blipFill>
+          <a:blip r:embed="rId3"/>
+          <a:stretch>
+            <a:fillRect/>
+          </a:stretch>
+        </p:blipFill>
+        <p:spPr>
+          <a:xfrm>
+            <a:off x="531586" y="1221819"/>
+            <a:ext cx="13253861" cy="6784211"/>
+          </a:xfrm>
+          <a:prstGeom prst="rect">
+            <a:avLst/>
+          </a:prstGeom>
+        </p:spPr>
+      </p:pic>
+    </p:spTree>
+    <p:extLst>
+      <p:ext uri="{BB962C8B-B14F-4D97-AF65-F5344CB8AC3E}">
+        <p14:creationId xmlns:p14="http://schemas.microsoft.com/office/powerpoint/2010/main" val="3669226148"/>
+      </p:ext>
+    </p:extLst>
+  </p:cSld>
+  <p:clrMapOvr>
+    <a:masterClrMapping/>
+  </p:clrMapOvr>
+</p:sld>
+</file>
+
+<file path=ppt/slides/slide13.xml><?xml version="1.0" encoding="utf-8"?>
+<p:sld xmlns:a="http://schemas.openxmlformats.org/drawingml/2006/main" xmlns:r="http://schemas.openxmlformats.org/officeDocument/2006/relationships" xmlns:p="http://schemas.openxmlformats.org/presentationml/2006/main">
+  <p:cSld>
+    <p:spTree>
+      <p:nvGrpSpPr>
+        <p:cNvPr id="1" name=""/>
+        <p:cNvGrpSpPr/>
+        <p:nvPr/>
+      </p:nvGrpSpPr>
+      <p:grpSpPr>
+        <a:xfrm>
+          <a:off x="0" y="0"/>
+          <a:ext cx="0" cy="0"/>
+          <a:chOff x="0" y="0"/>
+          <a:chExt cx="0" cy="0"/>
+        </a:xfrm>
+      </p:grpSpPr>
+      <p:sp>
+        <p:nvSpPr>
+          <p:cNvPr id="2" name="Shape 0"/>
+          <p:cNvSpPr/>
+          <p:nvPr/>
+        </p:nvSpPr>
+        <p:spPr>
+          <a:xfrm>
+            <a:off x="0" y="0"/>
+            <a:ext cx="14630400" cy="8229600"/>
+          </a:xfrm>
+          <a:prstGeom prst="rect">
+            <a:avLst/>
+          </a:prstGeom>
+          <a:solidFill>
+            <a:srgbClr val="50738C"/>
+          </a:solidFill>
+          <a:ln/>
+        </p:spPr>
+      </p:sp>
+      <p:sp>
+        <p:nvSpPr>
+          <p:cNvPr id="3" name="Shape 1"/>
+          <p:cNvSpPr/>
+          <p:nvPr/>
+        </p:nvSpPr>
+        <p:spPr>
+          <a:xfrm>
+            <a:off x="0" y="-11151"/>
+            <a:ext cx="14630400" cy="8229600"/>
+          </a:xfrm>
+          <a:prstGeom prst="rect">
+            <a:avLst/>
+          </a:prstGeom>
+          <a:solidFill>
+            <a:srgbClr val="FFFCF5"/>
+          </a:solidFill>
+          <a:ln/>
+        </p:spPr>
+      </p:sp>
+      <p:sp>
+        <p:nvSpPr>
+          <p:cNvPr id="4" name="Text 2"/>
+          <p:cNvSpPr/>
+          <p:nvPr/>
+        </p:nvSpPr>
+        <p:spPr>
+          <a:xfrm>
+            <a:off x="2037993" y="1634847"/>
+            <a:ext cx="5554980" cy="694373"/>
+          </a:xfrm>
+          <a:prstGeom prst="rect">
+            <a:avLst/>
+          </a:prstGeom>
+          <a:noFill/>
+          <a:ln/>
+        </p:spPr>
+        <p:txBody>
+          <a:bodyPr wrap="none" rtlCol="0" anchor="t"/>
+          <a:lstStyle/>
+          <a:p>
+            <a:pPr marL="0" indent="0">
+              <a:lnSpc>
+                <a:spcPts val="5468"/>
+              </a:lnSpc>
+              <a:buNone/>
+            </a:pPr>
+            <a:r>
+              <a:rPr lang="en-US" sz="4374" dirty="0">
+                <a:solidFill>
+                  <a:srgbClr val="124E73"/>
+                </a:solidFill>
+                <a:latin typeface="MuseoModerno" pitchFamily="34" charset="0"/>
+                <a:ea typeface="MuseoModerno" pitchFamily="34" charset="-122"/>
+                <a:cs typeface="MuseoModerno" pitchFamily="34" charset="-120"/>
+              </a:rPr>
+              <a:t>Project Link:</a:t>
+            </a:r>
+            <a:endParaRPr lang="en-US" sz="4374" dirty="0"/>
+          </a:p>
+        </p:txBody>
+      </p:sp>
+      <p:sp>
+        <p:nvSpPr>
+          <p:cNvPr id="5" name="Text 3"/>
+          <p:cNvSpPr/>
+          <p:nvPr/>
+        </p:nvSpPr>
+        <p:spPr>
+          <a:xfrm>
+            <a:off x="2037992" y="3706188"/>
+            <a:ext cx="10997783" cy="694373"/>
+          </a:xfrm>
+          <a:prstGeom prst="rect">
+            <a:avLst/>
+          </a:prstGeom>
+          <a:noFill/>
+          <a:ln/>
+        </p:spPr>
+        <p:txBody>
+          <a:bodyPr wrap="square" rtlCol="0" anchor="t"/>
+          <a:lstStyle/>
+          <a:p>
+            <a:pPr marL="0" indent="0">
+              <a:lnSpc>
+                <a:spcPts val="2624"/>
+              </a:lnSpc>
+              <a:buNone/>
+            </a:pPr>
+            <a:r>
+              <a:rPr lang="en-US" sz="3500" dirty="0">
+                <a:latin typeface="Source Sans Pro" pitchFamily="34" charset="0"/>
+                <a:ea typeface="Source Sans Pro" pitchFamily="34" charset="-122"/>
+                <a:cs typeface="Source Sans Pro" pitchFamily="34" charset="-120"/>
+                <a:hlinkClick r:id="rId3">
+                  <a:extLst>
+                    <a:ext uri="{A12FA001-AC4F-418D-AE19-62706E023703}">
+                      <ahyp:hlinkClr xmlns:ahyp="http://schemas.microsoft.com/office/drawing/2018/hyperlinkcolor" val="tx"/>
+                    </a:ext>
+                  </a:extLst>
+                </a:hlinkClick>
+              </a:rPr>
+              <a:t>https://github.com/srinivas2200030391/APSSDC-Project</a:t>
+            </a:r>
+            <a:endParaRPr lang="en-US" sz="3500" dirty="0"/>
+          </a:p>
+        </p:txBody>
+      </p:sp>
+      <p:sp>
+        <p:nvSpPr>
+          <p:cNvPr id="6" name="Text 4"/>
+          <p:cNvSpPr/>
+          <p:nvPr/>
+        </p:nvSpPr>
+        <p:spPr>
+          <a:xfrm>
+            <a:off x="2037993" y="5061823"/>
+            <a:ext cx="5006221" cy="1333024"/>
+          </a:xfrm>
+          <a:prstGeom prst="rect">
+            <a:avLst/>
+          </a:prstGeom>
+          <a:noFill/>
+          <a:ln/>
+        </p:spPr>
+        <p:txBody>
+          <a:bodyPr wrap="square" rtlCol="0" anchor="t"/>
+          <a:lstStyle/>
+          <a:p>
+            <a:pPr marL="0" indent="0">
+              <a:lnSpc>
+                <a:spcPts val="2624"/>
+              </a:lnSpc>
+              <a:buNone/>
+            </a:pPr>
+            <a:endParaRPr lang="en-US" sz="1750" dirty="0"/>
+          </a:p>
+        </p:txBody>
+      </p:sp>
+    </p:spTree>
+    <p:extLst>
+      <p:ext uri="{BB962C8B-B14F-4D97-AF65-F5344CB8AC3E}">
+        <p14:creationId xmlns:p14="http://schemas.microsoft.com/office/powerpoint/2010/main" val="3528093778"/>
+      </p:ext>
+    </p:extLst>
   </p:cSld>
   <p:clrMapOvr>
     <a:masterClrMapping/>
@@ -2628,32 +3534,6 @@
           </a:p>
         </p:txBody>
       </p:sp>
-      <p:pic>
-        <p:nvPicPr>
-          <p:cNvPr id="14" name="Image 3" descr="preencoded.png">
-            <a:hlinkClick r:id="rId6"/>
-          </p:cNvPr>
-          <p:cNvPicPr>
-            <a:picLocks noChangeAspect="1"/>
-          </p:cNvPicPr>
-          <p:nvPr/>
-        </p:nvPicPr>
-        <p:blipFill>
-          <a:blip r:embed="rId7"/>
-          <a:stretch>
-            <a:fillRect/>
-          </a:stretch>
-        </p:blipFill>
-        <p:spPr>
-          <a:xfrm>
-            <a:off x="12242153" y="7589520"/>
-            <a:ext cx="2296807" cy="548640"/>
-          </a:xfrm>
-          <a:prstGeom prst="rect">
-            <a:avLst/>
-          </a:prstGeom>
-        </p:spPr>
-      </p:pic>
     </p:spTree>
   </p:cSld>
   <p:clrMapOvr>
@@ -3085,32 +3965,6 @@
           </a:p>
         </p:txBody>
       </p:sp>
-      <p:pic>
-        <p:nvPicPr>
-          <p:cNvPr id="14" name="Image 3" descr="preencoded.png">
-            <a:hlinkClick r:id="rId6"/>
-          </p:cNvPr>
-          <p:cNvPicPr>
-            <a:picLocks noChangeAspect="1"/>
-          </p:cNvPicPr>
-          <p:nvPr/>
-        </p:nvPicPr>
-        <p:blipFill>
-          <a:blip r:embed="rId7"/>
-          <a:stretch>
-            <a:fillRect/>
-          </a:stretch>
-        </p:blipFill>
-        <p:spPr>
-          <a:xfrm>
-            <a:off x="12242153" y="7589520"/>
-            <a:ext cx="2296807" cy="548640"/>
-          </a:xfrm>
-          <a:prstGeom prst="rect">
-            <a:avLst/>
-          </a:prstGeom>
-        </p:spPr>
-      </p:pic>
     </p:spTree>
   </p:cSld>
   <p:clrMapOvr>
@@ -3536,32 +4390,6 @@
           </a:p>
         </p:txBody>
       </p:sp>
-      <p:pic>
-        <p:nvPicPr>
-          <p:cNvPr id="14" name="Image 0" descr="preencoded.png">
-            <a:hlinkClick r:id="rId3"/>
-          </p:cNvPr>
-          <p:cNvPicPr>
-            <a:picLocks noChangeAspect="1"/>
-          </p:cNvPicPr>
-          <p:nvPr/>
-        </p:nvPicPr>
-        <p:blipFill>
-          <a:blip r:embed="rId4"/>
-          <a:stretch>
-            <a:fillRect/>
-          </a:stretch>
-        </p:blipFill>
-        <p:spPr>
-          <a:xfrm>
-            <a:off x="12242153" y="7589520"/>
-            <a:ext cx="2296807" cy="548640"/>
-          </a:xfrm>
-          <a:prstGeom prst="rect">
-            <a:avLst/>
-          </a:prstGeom>
-        </p:spPr>
-      </p:pic>
     </p:spTree>
   </p:cSld>
   <p:clrMapOvr>
@@ -3771,32 +4599,6 @@
           <a:xfrm>
             <a:off x="7593806" y="2912388"/>
             <a:ext cx="5006221" cy="3280648"/>
-          </a:xfrm>
-          <a:prstGeom prst="rect">
-            <a:avLst/>
-          </a:prstGeom>
-        </p:spPr>
-      </p:pic>
-      <p:pic>
-        <p:nvPicPr>
-          <p:cNvPr id="8" name="Image 1" descr="preencoded.png">
-            <a:hlinkClick r:id="rId4"/>
-          </p:cNvPr>
-          <p:cNvPicPr>
-            <a:picLocks noChangeAspect="1"/>
-          </p:cNvPicPr>
-          <p:nvPr/>
-        </p:nvPicPr>
-        <p:blipFill>
-          <a:blip r:embed="rId5"/>
-          <a:stretch>
-            <a:fillRect/>
-          </a:stretch>
-        </p:blipFill>
-        <p:spPr>
-          <a:xfrm>
-            <a:off x="12242153" y="7589520"/>
-            <a:ext cx="2296807" cy="548640"/>
           </a:xfrm>
           <a:prstGeom prst="rect">
             <a:avLst/>
@@ -4268,32 +5070,6 @@
           </a:p>
         </p:txBody>
       </p:sp>
-      <p:pic>
-        <p:nvPicPr>
-          <p:cNvPr id="13" name="Image 0" descr="preencoded.png">
-            <a:hlinkClick r:id="rId3"/>
-          </p:cNvPr>
-          <p:cNvPicPr>
-            <a:picLocks noChangeAspect="1"/>
-          </p:cNvPicPr>
-          <p:nvPr/>
-        </p:nvPicPr>
-        <p:blipFill>
-          <a:blip r:embed="rId4"/>
-          <a:stretch>
-            <a:fillRect/>
-          </a:stretch>
-        </p:blipFill>
-        <p:spPr>
-          <a:xfrm>
-            <a:off x="12242153" y="7589520"/>
-            <a:ext cx="2296807" cy="548640"/>
-          </a:xfrm>
-          <a:prstGeom prst="rect">
-            <a:avLst/>
-          </a:prstGeom>
-        </p:spPr>
-      </p:pic>
     </p:spTree>
   </p:cSld>
   <p:clrMapOvr>
@@ -5095,32 +5871,6 @@
           </a:p>
         </p:txBody>
       </p:sp>
-      <p:pic>
-        <p:nvPicPr>
-          <p:cNvPr id="25" name="Image 0" descr="preencoded.png">
-            <a:hlinkClick r:id="rId3"/>
-          </p:cNvPr>
-          <p:cNvPicPr>
-            <a:picLocks noChangeAspect="1"/>
-          </p:cNvPicPr>
-          <p:nvPr/>
-        </p:nvPicPr>
-        <p:blipFill>
-          <a:blip r:embed="rId4"/>
-          <a:stretch>
-            <a:fillRect/>
-          </a:stretch>
-        </p:blipFill>
-        <p:spPr>
-          <a:xfrm>
-            <a:off x="12242153" y="7589520"/>
-            <a:ext cx="2296807" cy="548640"/>
-          </a:xfrm>
-          <a:prstGeom prst="rect">
-            <a:avLst/>
-          </a:prstGeom>
-        </p:spPr>
-      </p:pic>
     </p:spTree>
   </p:cSld>
   <p:clrMapOvr>
@@ -5820,32 +6570,6 @@
           </a:p>
         </p:txBody>
       </p:sp>
-      <p:pic>
-        <p:nvPicPr>
-          <p:cNvPr id="21" name="Image 0" descr="preencoded.png">
-            <a:hlinkClick r:id="rId3"/>
-          </p:cNvPr>
-          <p:cNvPicPr>
-            <a:picLocks noChangeAspect="1"/>
-          </p:cNvPicPr>
-          <p:nvPr/>
-        </p:nvPicPr>
-        <p:blipFill>
-          <a:blip r:embed="rId4"/>
-          <a:stretch>
-            <a:fillRect/>
-          </a:stretch>
-        </p:blipFill>
-        <p:spPr>
-          <a:xfrm>
-            <a:off x="12242153" y="7589520"/>
-            <a:ext cx="2296807" cy="548640"/>
-          </a:xfrm>
-          <a:prstGeom prst="rect">
-            <a:avLst/>
-          </a:prstGeom>
-        </p:spPr>
-      </p:pic>
     </p:spTree>
   </p:cSld>
   <p:clrMapOvr>
@@ -6323,32 +7047,6 @@
           </a:p>
         </p:txBody>
       </p:sp>
-      <p:pic>
-        <p:nvPicPr>
-          <p:cNvPr id="16" name="Image 4" descr="preencoded.png">
-            <a:hlinkClick r:id="rId7"/>
-          </p:cNvPr>
-          <p:cNvPicPr>
-            <a:picLocks noChangeAspect="1"/>
-          </p:cNvPicPr>
-          <p:nvPr/>
-        </p:nvPicPr>
-        <p:blipFill>
-          <a:blip r:embed="rId8"/>
-          <a:stretch>
-            <a:fillRect/>
-          </a:stretch>
-        </p:blipFill>
-        <p:spPr>
-          <a:xfrm>
-            <a:off x="12242153" y="7589520"/>
-            <a:ext cx="2296807" cy="548640"/>
-          </a:xfrm>
-          <a:prstGeom prst="rect">
-            <a:avLst/>
-          </a:prstGeom>
-        </p:spPr>
-      </p:pic>
     </p:spTree>
   </p:cSld>
   <p:clrMapOvr>

--- a/Srinivas Project.pptx
+++ b/Srinivas Project.pptx
@@ -5,22 +5,23 @@
     <p:sldMasterId id="2147483648" r:id="rId1"/>
   </p:sldMasterIdLst>
   <p:notesMasterIdLst>
-    <p:notesMasterId r:id="rId15"/>
+    <p:notesMasterId r:id="rId16"/>
   </p:notesMasterIdLst>
   <p:sldIdLst>
     <p:sldId id="256" r:id="rId2"/>
-    <p:sldId id="257" r:id="rId3"/>
-    <p:sldId id="258" r:id="rId4"/>
-    <p:sldId id="259" r:id="rId5"/>
-    <p:sldId id="260" r:id="rId6"/>
-    <p:sldId id="261" r:id="rId7"/>
-    <p:sldId id="262" r:id="rId8"/>
-    <p:sldId id="263" r:id="rId9"/>
-    <p:sldId id="264" r:id="rId10"/>
-    <p:sldId id="265" r:id="rId11"/>
-    <p:sldId id="267" r:id="rId12"/>
-    <p:sldId id="268" r:id="rId13"/>
-    <p:sldId id="266" r:id="rId14"/>
+    <p:sldId id="269" r:id="rId3"/>
+    <p:sldId id="257" r:id="rId4"/>
+    <p:sldId id="258" r:id="rId5"/>
+    <p:sldId id="259" r:id="rId6"/>
+    <p:sldId id="260" r:id="rId7"/>
+    <p:sldId id="261" r:id="rId8"/>
+    <p:sldId id="262" r:id="rId9"/>
+    <p:sldId id="263" r:id="rId10"/>
+    <p:sldId id="264" r:id="rId11"/>
+    <p:sldId id="265" r:id="rId12"/>
+    <p:sldId id="267" r:id="rId13"/>
+    <p:sldId id="268" r:id="rId14"/>
+    <p:sldId id="266" r:id="rId15"/>
   </p:sldIdLst>
   <p:sldSz cx="14630400" cy="8229600"/>
   <p:notesSz cx="8229600" cy="14630400"/>
@@ -491,7 +492,7 @@
     </p:spTree>
     <p:extLst>
       <p:ext uri="{BB962C8B-B14F-4D97-AF65-F5344CB8AC3E}">
-        <p14:creationId xmlns:p14="http://schemas.microsoft.com/office/powerpoint/2010/main" val="267747092"/>
+        <p14:creationId xmlns:p14="http://schemas.microsoft.com/office/powerpoint/2010/main" val="1024086991"/>
       </p:ext>
     </p:extLst>
   </p:cSld>
@@ -575,7 +576,7 @@
     </p:spTree>
     <p:extLst>
       <p:ext uri="{BB962C8B-B14F-4D97-AF65-F5344CB8AC3E}">
-        <p14:creationId xmlns:p14="http://schemas.microsoft.com/office/powerpoint/2010/main" val="762173687"/>
+        <p14:creationId xmlns:p14="http://schemas.microsoft.com/office/powerpoint/2010/main" val="267747092"/>
       </p:ext>
     </p:extLst>
   </p:cSld>
@@ -651,6 +652,90 @@
             <a:fld id="{F7021451-1387-4CA6-816F-3879F97B5CBC}" type="slidenum">
               <a:rPr lang="en-US"/>
               <a:t>13</a:t>
+            </a:fld>
+            <a:endParaRPr lang="en-US"/>
+          </a:p>
+        </p:txBody>
+      </p:sp>
+    </p:spTree>
+    <p:extLst>
+      <p:ext uri="{BB962C8B-B14F-4D97-AF65-F5344CB8AC3E}">
+        <p14:creationId xmlns:p14="http://schemas.microsoft.com/office/powerpoint/2010/main" val="762173687"/>
+      </p:ext>
+    </p:extLst>
+  </p:cSld>
+  <p:clrMapOvr>
+    <a:masterClrMapping/>
+  </p:clrMapOvr>
+</p:notes>
+</file>
+
+<file path=ppt/notesSlides/notesSlide14.xml><?xml version="1.0" encoding="utf-8"?>
+<p:notes xmlns:a="http://schemas.openxmlformats.org/drawingml/2006/main" xmlns:r="http://schemas.openxmlformats.org/officeDocument/2006/relationships" xmlns:p="http://schemas.openxmlformats.org/presentationml/2006/main">
+  <p:cSld>
+    <p:spTree>
+      <p:nvGrpSpPr>
+        <p:cNvPr id="1" name=""/>
+        <p:cNvGrpSpPr/>
+        <p:nvPr/>
+      </p:nvGrpSpPr>
+      <p:grpSpPr>
+        <a:xfrm>
+          <a:off x="0" y="0"/>
+          <a:ext cx="0" cy="0"/>
+          <a:chOff x="0" y="0"/>
+          <a:chExt cx="0" cy="0"/>
+        </a:xfrm>
+      </p:grpSpPr>
+      <p:sp>
+        <p:nvSpPr>
+          <p:cNvPr id="2" name="Slide Image Placeholder 1"/>
+          <p:cNvSpPr>
+            <a:spLocks noGrp="1" noRot="1" noChangeAspect="1"/>
+          </p:cNvSpPr>
+          <p:nvPr>
+            <p:ph type="sldImg"/>
+          </p:nvPr>
+        </p:nvSpPr>
+        <p:spPr/>
+      </p:sp>
+      <p:sp>
+        <p:nvSpPr>
+          <p:cNvPr id="3" name="Notes Placeholder 2"/>
+          <p:cNvSpPr>
+            <a:spLocks noGrp="1"/>
+          </p:cNvSpPr>
+          <p:nvPr>
+            <p:ph type="body" idx="1"/>
+          </p:nvPr>
+        </p:nvSpPr>
+        <p:spPr/>
+        <p:txBody>
+          <a:bodyPr/>
+          <a:lstStyle/>
+          <a:p>
+            <a:endParaRPr lang="en-US" dirty="0"/>
+          </a:p>
+        </p:txBody>
+      </p:sp>
+      <p:sp>
+        <p:nvSpPr>
+          <p:cNvPr id="4" name="Slide Number Placeholder 3"/>
+          <p:cNvSpPr>
+            <a:spLocks noGrp="1"/>
+          </p:cNvSpPr>
+          <p:nvPr>
+            <p:ph type="sldNum" sz="quarter" idx="10"/>
+          </p:nvPr>
+        </p:nvSpPr>
+        <p:spPr/>
+        <p:txBody>
+          <a:bodyPr/>
+          <a:lstStyle/>
+          <a:p>
+            <a:fld id="{F7021451-1387-4CA6-816F-3879F97B5CBC}" type="slidenum">
+              <a:rPr lang="en-US"/>
+              <a:t>14</a:t>
             </a:fld>
             <a:endParaRPr lang="en-US"/>
           </a:p>
@@ -743,7 +828,7 @@
     </p:spTree>
     <p:extLst>
       <p:ext uri="{BB962C8B-B14F-4D97-AF65-F5344CB8AC3E}">
-        <p14:creationId xmlns:p14="http://schemas.microsoft.com/office/powerpoint/2010/main" val="1024086991"/>
+        <p14:creationId xmlns:p14="http://schemas.microsoft.com/office/powerpoint/2010/main" val="2001053832"/>
       </p:ext>
     </p:extLst>
   </p:cSld>
@@ -1955,6 +2040,483 @@
 
 <file path=ppt/slides/slide10.xml><?xml version="1.0" encoding="utf-8"?>
 <p:sld xmlns:a="http://schemas.openxmlformats.org/drawingml/2006/main" xmlns:r="http://schemas.openxmlformats.org/officeDocument/2006/relationships" xmlns:p="http://schemas.openxmlformats.org/presentationml/2006/main">
+  <p:cSld name="Slide 9">
+    <p:spTree>
+      <p:nvGrpSpPr>
+        <p:cNvPr id="1" name=""/>
+        <p:cNvGrpSpPr/>
+        <p:nvPr/>
+      </p:nvGrpSpPr>
+      <p:grpSpPr>
+        <a:xfrm>
+          <a:off x="0" y="0"/>
+          <a:ext cx="0" cy="0"/>
+          <a:chOff x="0" y="0"/>
+          <a:chExt cx="0" cy="0"/>
+        </a:xfrm>
+      </p:grpSpPr>
+      <p:sp>
+        <p:nvSpPr>
+          <p:cNvPr id="2" name="Shape 0"/>
+          <p:cNvSpPr/>
+          <p:nvPr/>
+        </p:nvSpPr>
+        <p:spPr>
+          <a:xfrm>
+            <a:off x="0" y="0"/>
+            <a:ext cx="14630400" cy="8229600"/>
+          </a:xfrm>
+          <a:prstGeom prst="rect">
+            <a:avLst/>
+          </a:prstGeom>
+          <a:solidFill>
+            <a:srgbClr val="50738C"/>
+          </a:solidFill>
+          <a:ln/>
+        </p:spPr>
+      </p:sp>
+      <p:sp>
+        <p:nvSpPr>
+          <p:cNvPr id="3" name="Shape 1"/>
+          <p:cNvSpPr/>
+          <p:nvPr/>
+        </p:nvSpPr>
+        <p:spPr>
+          <a:xfrm>
+            <a:off x="0" y="0"/>
+            <a:ext cx="14630400" cy="8229600"/>
+          </a:xfrm>
+          <a:prstGeom prst="rect">
+            <a:avLst/>
+          </a:prstGeom>
+          <a:solidFill>
+            <a:srgbClr val="FFFCF5"/>
+          </a:solidFill>
+          <a:ln/>
+        </p:spPr>
+      </p:sp>
+      <p:pic>
+        <p:nvPicPr>
+          <p:cNvPr id="4" name="Image 0" descr="preencoded.png"/>
+          <p:cNvPicPr>
+            <a:picLocks noChangeAspect="1"/>
+          </p:cNvPicPr>
+          <p:nvPr/>
+        </p:nvPicPr>
+        <p:blipFill>
+          <a:blip r:embed="rId3"/>
+          <a:stretch>
+            <a:fillRect/>
+          </a:stretch>
+        </p:blipFill>
+        <p:spPr>
+          <a:xfrm>
+            <a:off x="0" y="0"/>
+            <a:ext cx="14630400" cy="8229600"/>
+          </a:xfrm>
+          <a:prstGeom prst="rect">
+            <a:avLst/>
+          </a:prstGeom>
+        </p:spPr>
+      </p:pic>
+      <p:sp>
+        <p:nvSpPr>
+          <p:cNvPr id="5" name="Shape 2"/>
+          <p:cNvSpPr/>
+          <p:nvPr/>
+        </p:nvSpPr>
+        <p:spPr>
+          <a:xfrm>
+            <a:off x="0" y="0"/>
+            <a:ext cx="14630400" cy="8229600"/>
+          </a:xfrm>
+          <a:prstGeom prst="rect">
+            <a:avLst/>
+          </a:prstGeom>
+          <a:solidFill>
+            <a:srgbClr val="FFFCF5">
+              <a:alpha val="85000"/>
+            </a:srgbClr>
+          </a:solidFill>
+          <a:ln/>
+        </p:spPr>
+      </p:sp>
+      <p:sp>
+        <p:nvSpPr>
+          <p:cNvPr id="6" name="Text 3"/>
+          <p:cNvSpPr/>
+          <p:nvPr/>
+        </p:nvSpPr>
+        <p:spPr>
+          <a:xfrm>
+            <a:off x="2037993" y="934760"/>
+            <a:ext cx="9271754" cy="694373"/>
+          </a:xfrm>
+          <a:prstGeom prst="rect">
+            <a:avLst/>
+          </a:prstGeom>
+          <a:noFill/>
+          <a:ln/>
+        </p:spPr>
+        <p:txBody>
+          <a:bodyPr wrap="none" rtlCol="0" anchor="t"/>
+          <a:lstStyle/>
+          <a:p>
+            <a:pPr marL="0" indent="0">
+              <a:lnSpc>
+                <a:spcPts val="5468"/>
+              </a:lnSpc>
+              <a:buNone/>
+            </a:pPr>
+            <a:r>
+              <a:rPr lang="en-US" sz="4374" dirty="0">
+                <a:solidFill>
+                  <a:srgbClr val="124E73"/>
+                </a:solidFill>
+                <a:latin typeface="MuseoModerno" pitchFamily="34" charset="0"/>
+                <a:ea typeface="MuseoModerno" pitchFamily="34" charset="-122"/>
+                <a:cs typeface="MuseoModerno" pitchFamily="34" charset="-120"/>
+              </a:rPr>
+              <a:t>Keylogger Deployment and Usage</a:t>
+            </a:r>
+            <a:endParaRPr lang="en-US" sz="4374" dirty="0"/>
+          </a:p>
+        </p:txBody>
+      </p:sp>
+      <p:pic>
+        <p:nvPicPr>
+          <p:cNvPr id="7" name="Image 1" descr="preencoded.png"/>
+          <p:cNvPicPr>
+            <a:picLocks noChangeAspect="1"/>
+          </p:cNvPicPr>
+          <p:nvPr/>
+        </p:nvPicPr>
+        <p:blipFill>
+          <a:blip r:embed="rId4"/>
+          <a:stretch>
+            <a:fillRect/>
+          </a:stretch>
+        </p:blipFill>
+        <p:spPr>
+          <a:xfrm>
+            <a:off x="2037993" y="1962388"/>
+            <a:ext cx="1110972" cy="1777484"/>
+          </a:xfrm>
+          <a:prstGeom prst="rect">
+            <a:avLst/>
+          </a:prstGeom>
+        </p:spPr>
+      </p:pic>
+      <p:sp>
+        <p:nvSpPr>
+          <p:cNvPr id="8" name="Text 4"/>
+          <p:cNvSpPr/>
+          <p:nvPr/>
+        </p:nvSpPr>
+        <p:spPr>
+          <a:xfrm>
+            <a:off x="3482221" y="2184559"/>
+            <a:ext cx="2777490" cy="347186"/>
+          </a:xfrm>
+          <a:prstGeom prst="rect">
+            <a:avLst/>
+          </a:prstGeom>
+          <a:noFill/>
+          <a:ln/>
+        </p:spPr>
+        <p:txBody>
+          <a:bodyPr wrap="none" rtlCol="0" anchor="t"/>
+          <a:lstStyle/>
+          <a:p>
+            <a:pPr marL="0" indent="0" algn="l">
+              <a:lnSpc>
+                <a:spcPts val="2734"/>
+              </a:lnSpc>
+              <a:buNone/>
+            </a:pPr>
+            <a:r>
+              <a:rPr lang="en-US" sz="2187" dirty="0">
+                <a:solidFill>
+                  <a:srgbClr val="124E73"/>
+                </a:solidFill>
+                <a:latin typeface="MuseoModerno" pitchFamily="34" charset="0"/>
+                <a:ea typeface="MuseoModerno" pitchFamily="34" charset="-122"/>
+                <a:cs typeface="MuseoModerno" pitchFamily="34" charset="-120"/>
+              </a:rPr>
+              <a:t>Delivery Methods</a:t>
+            </a:r>
+            <a:endParaRPr lang="en-US" sz="2187" dirty="0"/>
+          </a:p>
+        </p:txBody>
+      </p:sp>
+      <p:sp>
+        <p:nvSpPr>
+          <p:cNvPr id="9" name="Text 5"/>
+          <p:cNvSpPr/>
+          <p:nvPr/>
+        </p:nvSpPr>
+        <p:spPr>
+          <a:xfrm>
+            <a:off x="3482221" y="2664976"/>
+            <a:ext cx="9110186" cy="666512"/>
+          </a:xfrm>
+          <a:prstGeom prst="rect">
+            <a:avLst/>
+          </a:prstGeom>
+          <a:noFill/>
+          <a:ln/>
+        </p:spPr>
+        <p:txBody>
+          <a:bodyPr wrap="square" rtlCol="0" anchor="t"/>
+          <a:lstStyle/>
+          <a:p>
+            <a:pPr marL="0" indent="0" algn="l">
+              <a:lnSpc>
+                <a:spcPts val="2624"/>
+              </a:lnSpc>
+              <a:buNone/>
+            </a:pPr>
+            <a:r>
+              <a:rPr lang="en-US" sz="1750" dirty="0">
+                <a:solidFill>
+                  <a:srgbClr val="2B4150"/>
+                </a:solidFill>
+                <a:latin typeface="Source Sans Pro" pitchFamily="34" charset="0"/>
+                <a:ea typeface="Source Sans Pro" pitchFamily="34" charset="-122"/>
+                <a:cs typeface="Source Sans Pro" pitchFamily="34" charset="-120"/>
+              </a:rPr>
+              <a:t>Keyloggers can be deployed through various means, such as physical installation on a target device or remote distribution via email attachments or malicious downloads.</a:t>
+            </a:r>
+            <a:endParaRPr lang="en-US" sz="1750" dirty="0"/>
+          </a:p>
+        </p:txBody>
+      </p:sp>
+      <p:pic>
+        <p:nvPicPr>
+          <p:cNvPr id="10" name="Image 2" descr="preencoded.png"/>
+          <p:cNvPicPr>
+            <a:picLocks noChangeAspect="1"/>
+          </p:cNvPicPr>
+          <p:nvPr/>
+        </p:nvPicPr>
+        <p:blipFill>
+          <a:blip r:embed="rId5"/>
+          <a:stretch>
+            <a:fillRect/>
+          </a:stretch>
+        </p:blipFill>
+        <p:spPr>
+          <a:xfrm>
+            <a:off x="2037993" y="3739872"/>
+            <a:ext cx="1110972" cy="1777484"/>
+          </a:xfrm>
+          <a:prstGeom prst="rect">
+            <a:avLst/>
+          </a:prstGeom>
+        </p:spPr>
+      </p:pic>
+      <p:sp>
+        <p:nvSpPr>
+          <p:cNvPr id="11" name="Text 6"/>
+          <p:cNvSpPr/>
+          <p:nvPr/>
+        </p:nvSpPr>
+        <p:spPr>
+          <a:xfrm>
+            <a:off x="3482221" y="3962043"/>
+            <a:ext cx="2777490" cy="347186"/>
+          </a:xfrm>
+          <a:prstGeom prst="rect">
+            <a:avLst/>
+          </a:prstGeom>
+          <a:noFill/>
+          <a:ln/>
+        </p:spPr>
+        <p:txBody>
+          <a:bodyPr wrap="none" rtlCol="0" anchor="t"/>
+          <a:lstStyle/>
+          <a:p>
+            <a:pPr marL="0" indent="0" algn="l">
+              <a:lnSpc>
+                <a:spcPts val="2734"/>
+              </a:lnSpc>
+              <a:buNone/>
+            </a:pPr>
+            <a:r>
+              <a:rPr lang="en-US" sz="2187" dirty="0">
+                <a:solidFill>
+                  <a:srgbClr val="124E73"/>
+                </a:solidFill>
+                <a:latin typeface="MuseoModerno" pitchFamily="34" charset="0"/>
+                <a:ea typeface="MuseoModerno" pitchFamily="34" charset="-122"/>
+                <a:cs typeface="MuseoModerno" pitchFamily="34" charset="-120"/>
+              </a:rPr>
+              <a:t>Stealth Operation</a:t>
+            </a:r>
+            <a:endParaRPr lang="en-US" sz="2187" dirty="0"/>
+          </a:p>
+        </p:txBody>
+      </p:sp>
+      <p:sp>
+        <p:nvSpPr>
+          <p:cNvPr id="12" name="Text 7"/>
+          <p:cNvSpPr/>
+          <p:nvPr/>
+        </p:nvSpPr>
+        <p:spPr>
+          <a:xfrm>
+            <a:off x="3482221" y="4442460"/>
+            <a:ext cx="9110186" cy="666512"/>
+          </a:xfrm>
+          <a:prstGeom prst="rect">
+            <a:avLst/>
+          </a:prstGeom>
+          <a:noFill/>
+          <a:ln/>
+        </p:spPr>
+        <p:txBody>
+          <a:bodyPr wrap="square" rtlCol="0" anchor="t"/>
+          <a:lstStyle/>
+          <a:p>
+            <a:pPr marL="0" indent="0" algn="l">
+              <a:lnSpc>
+                <a:spcPts val="2624"/>
+              </a:lnSpc>
+              <a:buNone/>
+            </a:pPr>
+            <a:r>
+              <a:rPr lang="en-US" sz="1750" dirty="0">
+                <a:solidFill>
+                  <a:srgbClr val="2B4150"/>
+                </a:solidFill>
+                <a:latin typeface="Source Sans Pro" pitchFamily="34" charset="0"/>
+                <a:ea typeface="Source Sans Pro" pitchFamily="34" charset="-122"/>
+                <a:cs typeface="Source Sans Pro" pitchFamily="34" charset="-120"/>
+              </a:rPr>
+              <a:t>Advanced keyloggers employ sophisticated techniques to remain undetected, including hiding in system processes, utilizing encrypted communications, and mimicking legitimate software.</a:t>
+            </a:r>
+            <a:endParaRPr lang="en-US" sz="1750" dirty="0"/>
+          </a:p>
+        </p:txBody>
+      </p:sp>
+      <p:pic>
+        <p:nvPicPr>
+          <p:cNvPr id="13" name="Image 3" descr="preencoded.png"/>
+          <p:cNvPicPr>
+            <a:picLocks noChangeAspect="1"/>
+          </p:cNvPicPr>
+          <p:nvPr/>
+        </p:nvPicPr>
+        <p:blipFill>
+          <a:blip r:embed="rId6"/>
+          <a:stretch>
+            <a:fillRect/>
+          </a:stretch>
+        </p:blipFill>
+        <p:spPr>
+          <a:xfrm>
+            <a:off x="2037993" y="5517356"/>
+            <a:ext cx="1110972" cy="1777484"/>
+          </a:xfrm>
+          <a:prstGeom prst="rect">
+            <a:avLst/>
+          </a:prstGeom>
+        </p:spPr>
+      </p:pic>
+      <p:sp>
+        <p:nvSpPr>
+          <p:cNvPr id="14" name="Text 8"/>
+          <p:cNvSpPr/>
+          <p:nvPr/>
+        </p:nvSpPr>
+        <p:spPr>
+          <a:xfrm>
+            <a:off x="3482221" y="5739527"/>
+            <a:ext cx="2777490" cy="347186"/>
+          </a:xfrm>
+          <a:prstGeom prst="rect">
+            <a:avLst/>
+          </a:prstGeom>
+          <a:noFill/>
+          <a:ln/>
+        </p:spPr>
+        <p:txBody>
+          <a:bodyPr wrap="none" rtlCol="0" anchor="t"/>
+          <a:lstStyle/>
+          <a:p>
+            <a:pPr marL="0" indent="0" algn="l">
+              <a:lnSpc>
+                <a:spcPts val="2734"/>
+              </a:lnSpc>
+              <a:buNone/>
+            </a:pPr>
+            <a:r>
+              <a:rPr lang="en-US" sz="2187" dirty="0">
+                <a:solidFill>
+                  <a:srgbClr val="124E73"/>
+                </a:solidFill>
+                <a:latin typeface="MuseoModerno" pitchFamily="34" charset="0"/>
+                <a:ea typeface="MuseoModerno" pitchFamily="34" charset="-122"/>
+                <a:cs typeface="MuseoModerno" pitchFamily="34" charset="-120"/>
+              </a:rPr>
+              <a:t>Data Collection</a:t>
+            </a:r>
+            <a:endParaRPr lang="en-US" sz="2187" dirty="0"/>
+          </a:p>
+        </p:txBody>
+      </p:sp>
+      <p:sp>
+        <p:nvSpPr>
+          <p:cNvPr id="15" name="Text 9"/>
+          <p:cNvSpPr/>
+          <p:nvPr/>
+        </p:nvSpPr>
+        <p:spPr>
+          <a:xfrm>
+            <a:off x="3482221" y="6219944"/>
+            <a:ext cx="9110186" cy="666512"/>
+          </a:xfrm>
+          <a:prstGeom prst="rect">
+            <a:avLst/>
+          </a:prstGeom>
+          <a:noFill/>
+          <a:ln/>
+        </p:spPr>
+        <p:txBody>
+          <a:bodyPr wrap="square" rtlCol="0" anchor="t"/>
+          <a:lstStyle/>
+          <a:p>
+            <a:pPr marL="0" indent="0" algn="l">
+              <a:lnSpc>
+                <a:spcPts val="2624"/>
+              </a:lnSpc>
+              <a:buNone/>
+            </a:pPr>
+            <a:r>
+              <a:rPr lang="en-US" sz="1750" dirty="0">
+                <a:solidFill>
+                  <a:srgbClr val="2B4150"/>
+                </a:solidFill>
+                <a:latin typeface="Source Sans Pro" pitchFamily="34" charset="0"/>
+                <a:ea typeface="Source Sans Pro" pitchFamily="34" charset="-122"/>
+                <a:cs typeface="Source Sans Pro" pitchFamily="34" charset="-120"/>
+              </a:rPr>
+              <a:t>Keyloggers silently record user input, including keystrokes, passwords, and sensitive information, storing the data for later retrieval or transmission to the attacker.</a:t>
+            </a:r>
+            <a:endParaRPr lang="en-US" sz="1750" dirty="0"/>
+          </a:p>
+        </p:txBody>
+      </p:sp>
+    </p:spTree>
+  </p:cSld>
+  <p:clrMapOvr>
+    <a:masterClrMapping/>
+  </p:clrMapOvr>
+</p:sld>
+</file>
+
+<file path=ppt/slides/slide11.xml><?xml version="1.0" encoding="utf-8"?>
+<p:sld xmlns:a="http://schemas.openxmlformats.org/drawingml/2006/main" xmlns:r="http://schemas.openxmlformats.org/officeDocument/2006/relationships" xmlns:p="http://schemas.openxmlformats.org/presentationml/2006/main">
   <p:cSld name="Slide 10">
     <p:spTree>
       <p:nvGrpSpPr>
@@ -2468,7 +3030,7 @@
 </p:sld>
 </file>
 
-<file path=ppt/slides/slide11.xml><?xml version="1.0" encoding="utf-8"?>
+<file path=ppt/slides/slide12.xml><?xml version="1.0" encoding="utf-8"?>
 <p:sld xmlns:a="http://schemas.openxmlformats.org/drawingml/2006/main" xmlns:r="http://schemas.openxmlformats.org/officeDocument/2006/relationships" xmlns:p="http://schemas.openxmlformats.org/presentationml/2006/main">
   <p:cSld>
     <p:spTree>
@@ -2718,210 +3280,6 @@
 </p:sld>
 </file>
 
-<file path=ppt/slides/slide12.xml><?xml version="1.0" encoding="utf-8"?>
-<p:sld xmlns:a="http://schemas.openxmlformats.org/drawingml/2006/main" xmlns:r="http://schemas.openxmlformats.org/officeDocument/2006/relationships" xmlns:p="http://schemas.openxmlformats.org/presentationml/2006/main">
-  <p:cSld>
-    <p:spTree>
-      <p:nvGrpSpPr>
-        <p:cNvPr id="1" name=""/>
-        <p:cNvGrpSpPr/>
-        <p:nvPr/>
-      </p:nvGrpSpPr>
-      <p:grpSpPr>
-        <a:xfrm>
-          <a:off x="0" y="0"/>
-          <a:ext cx="0" cy="0"/>
-          <a:chOff x="0" y="0"/>
-          <a:chExt cx="0" cy="0"/>
-        </a:xfrm>
-      </p:grpSpPr>
-      <p:sp>
-        <p:nvSpPr>
-          <p:cNvPr id="2" name="Shape 0"/>
-          <p:cNvSpPr/>
-          <p:nvPr/>
-        </p:nvSpPr>
-        <p:spPr>
-          <a:xfrm>
-            <a:off x="0" y="0"/>
-            <a:ext cx="14630400" cy="8229600"/>
-          </a:xfrm>
-          <a:prstGeom prst="rect">
-            <a:avLst/>
-          </a:prstGeom>
-          <a:solidFill>
-            <a:srgbClr val="50738C"/>
-          </a:solidFill>
-          <a:ln/>
-        </p:spPr>
-      </p:sp>
-      <p:sp>
-        <p:nvSpPr>
-          <p:cNvPr id="3" name="Shape 1"/>
-          <p:cNvSpPr/>
-          <p:nvPr/>
-        </p:nvSpPr>
-        <p:spPr>
-          <a:xfrm>
-            <a:off x="0" y="0"/>
-            <a:ext cx="14630400" cy="8229600"/>
-          </a:xfrm>
-          <a:prstGeom prst="rect">
-            <a:avLst/>
-          </a:prstGeom>
-          <a:solidFill>
-            <a:srgbClr val="FFFCF5"/>
-          </a:solidFill>
-          <a:ln/>
-        </p:spPr>
-      </p:sp>
-      <p:sp>
-        <p:nvSpPr>
-          <p:cNvPr id="4" name="Text 2"/>
-          <p:cNvSpPr/>
-          <p:nvPr/>
-        </p:nvSpPr>
-        <p:spPr>
-          <a:xfrm>
-            <a:off x="663372" y="303877"/>
-            <a:ext cx="5554980" cy="694373"/>
-          </a:xfrm>
-          <a:prstGeom prst="rect">
-            <a:avLst/>
-          </a:prstGeom>
-          <a:noFill/>
-          <a:ln/>
-        </p:spPr>
-        <p:txBody>
-          <a:bodyPr wrap="none" rtlCol="0" anchor="t"/>
-          <a:lstStyle/>
-          <a:p>
-            <a:pPr marL="0" indent="0">
-              <a:lnSpc>
-                <a:spcPts val="5468"/>
-              </a:lnSpc>
-              <a:buNone/>
-            </a:pPr>
-            <a:r>
-              <a:rPr lang="en-US" sz="4374" u="sng" dirty="0">
-                <a:solidFill>
-                  <a:srgbClr val="124E73"/>
-                </a:solidFill>
-                <a:latin typeface="MuseoModerno" pitchFamily="34" charset="0"/>
-                <a:ea typeface="MuseoModerno" pitchFamily="34" charset="-122"/>
-                <a:cs typeface="MuseoModerno" pitchFamily="34" charset="-120"/>
-              </a:rPr>
-              <a:t>Output</a:t>
-            </a:r>
-            <a:endParaRPr lang="en-US" sz="4374" u="sng" dirty="0"/>
-          </a:p>
-        </p:txBody>
-      </p:sp>
-      <p:sp>
-        <p:nvSpPr>
-          <p:cNvPr id="5" name="Text 3"/>
-          <p:cNvSpPr/>
-          <p:nvPr/>
-        </p:nvSpPr>
-        <p:spPr>
-          <a:xfrm>
-            <a:off x="2037993" y="2862382"/>
-            <a:ext cx="5006221" cy="1999536"/>
-          </a:xfrm>
-          <a:prstGeom prst="rect">
-            <a:avLst/>
-          </a:prstGeom>
-          <a:noFill/>
-          <a:ln/>
-        </p:spPr>
-        <p:txBody>
-          <a:bodyPr wrap="square" rtlCol="0" anchor="t"/>
-          <a:lstStyle/>
-          <a:p>
-            <a:pPr marL="0" indent="0">
-              <a:lnSpc>
-                <a:spcPts val="2624"/>
-              </a:lnSpc>
-              <a:buNone/>
-            </a:pPr>
-            <a:endParaRPr lang="en-US" sz="1750" dirty="0"/>
-          </a:p>
-        </p:txBody>
-      </p:sp>
-      <p:sp>
-        <p:nvSpPr>
-          <p:cNvPr id="6" name="Text 4"/>
-          <p:cNvSpPr/>
-          <p:nvPr/>
-        </p:nvSpPr>
-        <p:spPr>
-          <a:xfrm>
-            <a:off x="2037993" y="5061823"/>
-            <a:ext cx="5006221" cy="1333024"/>
-          </a:xfrm>
-          <a:prstGeom prst="rect">
-            <a:avLst/>
-          </a:prstGeom>
-          <a:noFill/>
-          <a:ln/>
-        </p:spPr>
-        <p:txBody>
-          <a:bodyPr wrap="square" rtlCol="0" anchor="t"/>
-          <a:lstStyle/>
-          <a:p>
-            <a:pPr marL="0" indent="0">
-              <a:lnSpc>
-                <a:spcPts val="2624"/>
-              </a:lnSpc>
-              <a:buNone/>
-            </a:pPr>
-            <a:endParaRPr lang="en-US" sz="1750" dirty="0"/>
-          </a:p>
-        </p:txBody>
-      </p:sp>
-      <p:pic>
-        <p:nvPicPr>
-          <p:cNvPr id="9" name="Picture 8">
-            <a:extLst>
-              <a:ext uri="{FF2B5EF4-FFF2-40B4-BE49-F238E27FC236}">
-                <a16:creationId xmlns:a16="http://schemas.microsoft.com/office/drawing/2014/main" id="{DB3EF259-96BC-C996-C0DA-64468A3FE7AD}"/>
-              </a:ext>
-            </a:extLst>
-          </p:cNvPr>
-          <p:cNvPicPr>
-            <a:picLocks noChangeAspect="1"/>
-          </p:cNvPicPr>
-          <p:nvPr/>
-        </p:nvPicPr>
-        <p:blipFill>
-          <a:blip r:embed="rId3"/>
-          <a:stretch>
-            <a:fillRect/>
-          </a:stretch>
-        </p:blipFill>
-        <p:spPr>
-          <a:xfrm>
-            <a:off x="531586" y="1221819"/>
-            <a:ext cx="13253861" cy="6784211"/>
-          </a:xfrm>
-          <a:prstGeom prst="rect">
-            <a:avLst/>
-          </a:prstGeom>
-        </p:spPr>
-      </p:pic>
-    </p:spTree>
-    <p:extLst>
-      <p:ext uri="{BB962C8B-B14F-4D97-AF65-F5344CB8AC3E}">
-        <p14:creationId xmlns:p14="http://schemas.microsoft.com/office/powerpoint/2010/main" val="3669226148"/>
-      </p:ext>
-    </p:extLst>
-  </p:cSld>
-  <p:clrMapOvr>
-    <a:masterClrMapping/>
-  </p:clrMapOvr>
-</p:sld>
-</file>
-
 <file path=ppt/slides/slide13.xml><?xml version="1.0" encoding="utf-8"?>
 <p:sld xmlns:a="http://schemas.openxmlformats.org/drawingml/2006/main" xmlns:r="http://schemas.openxmlformats.org/officeDocument/2006/relationships" xmlns:p="http://schemas.openxmlformats.org/presentationml/2006/main">
   <p:cSld>
@@ -2967,6 +3325,210 @@
         </p:nvSpPr>
         <p:spPr>
           <a:xfrm>
+            <a:off x="0" y="0"/>
+            <a:ext cx="14630400" cy="8229600"/>
+          </a:xfrm>
+          <a:prstGeom prst="rect">
+            <a:avLst/>
+          </a:prstGeom>
+          <a:solidFill>
+            <a:srgbClr val="FFFCF5"/>
+          </a:solidFill>
+          <a:ln/>
+        </p:spPr>
+      </p:sp>
+      <p:sp>
+        <p:nvSpPr>
+          <p:cNvPr id="4" name="Text 2"/>
+          <p:cNvSpPr/>
+          <p:nvPr/>
+        </p:nvSpPr>
+        <p:spPr>
+          <a:xfrm>
+            <a:off x="663372" y="303877"/>
+            <a:ext cx="5554980" cy="694373"/>
+          </a:xfrm>
+          <a:prstGeom prst="rect">
+            <a:avLst/>
+          </a:prstGeom>
+          <a:noFill/>
+          <a:ln/>
+        </p:spPr>
+        <p:txBody>
+          <a:bodyPr wrap="none" rtlCol="0" anchor="t"/>
+          <a:lstStyle/>
+          <a:p>
+            <a:pPr marL="0" indent="0">
+              <a:lnSpc>
+                <a:spcPts val="5468"/>
+              </a:lnSpc>
+              <a:buNone/>
+            </a:pPr>
+            <a:r>
+              <a:rPr lang="en-US" sz="4374" u="sng" dirty="0">
+                <a:solidFill>
+                  <a:srgbClr val="124E73"/>
+                </a:solidFill>
+                <a:latin typeface="MuseoModerno" pitchFamily="34" charset="0"/>
+                <a:ea typeface="MuseoModerno" pitchFamily="34" charset="-122"/>
+                <a:cs typeface="MuseoModerno" pitchFamily="34" charset="-120"/>
+              </a:rPr>
+              <a:t>Output</a:t>
+            </a:r>
+            <a:endParaRPr lang="en-US" sz="4374" u="sng" dirty="0"/>
+          </a:p>
+        </p:txBody>
+      </p:sp>
+      <p:sp>
+        <p:nvSpPr>
+          <p:cNvPr id="5" name="Text 3"/>
+          <p:cNvSpPr/>
+          <p:nvPr/>
+        </p:nvSpPr>
+        <p:spPr>
+          <a:xfrm>
+            <a:off x="2037993" y="2862382"/>
+            <a:ext cx="5006221" cy="1999536"/>
+          </a:xfrm>
+          <a:prstGeom prst="rect">
+            <a:avLst/>
+          </a:prstGeom>
+          <a:noFill/>
+          <a:ln/>
+        </p:spPr>
+        <p:txBody>
+          <a:bodyPr wrap="square" rtlCol="0" anchor="t"/>
+          <a:lstStyle/>
+          <a:p>
+            <a:pPr marL="0" indent="0">
+              <a:lnSpc>
+                <a:spcPts val="2624"/>
+              </a:lnSpc>
+              <a:buNone/>
+            </a:pPr>
+            <a:endParaRPr lang="en-US" sz="1750" dirty="0"/>
+          </a:p>
+        </p:txBody>
+      </p:sp>
+      <p:sp>
+        <p:nvSpPr>
+          <p:cNvPr id="6" name="Text 4"/>
+          <p:cNvSpPr/>
+          <p:nvPr/>
+        </p:nvSpPr>
+        <p:spPr>
+          <a:xfrm>
+            <a:off x="2037993" y="5061823"/>
+            <a:ext cx="5006221" cy="1333024"/>
+          </a:xfrm>
+          <a:prstGeom prst="rect">
+            <a:avLst/>
+          </a:prstGeom>
+          <a:noFill/>
+          <a:ln/>
+        </p:spPr>
+        <p:txBody>
+          <a:bodyPr wrap="square" rtlCol="0" anchor="t"/>
+          <a:lstStyle/>
+          <a:p>
+            <a:pPr marL="0" indent="0">
+              <a:lnSpc>
+                <a:spcPts val="2624"/>
+              </a:lnSpc>
+              <a:buNone/>
+            </a:pPr>
+            <a:endParaRPr lang="en-US" sz="1750" dirty="0"/>
+          </a:p>
+        </p:txBody>
+      </p:sp>
+      <p:pic>
+        <p:nvPicPr>
+          <p:cNvPr id="9" name="Picture 8">
+            <a:extLst>
+              <a:ext uri="{FF2B5EF4-FFF2-40B4-BE49-F238E27FC236}">
+                <a16:creationId xmlns:a16="http://schemas.microsoft.com/office/drawing/2014/main" id="{DB3EF259-96BC-C996-C0DA-64468A3FE7AD}"/>
+              </a:ext>
+            </a:extLst>
+          </p:cNvPr>
+          <p:cNvPicPr>
+            <a:picLocks noChangeAspect="1"/>
+          </p:cNvPicPr>
+          <p:nvPr/>
+        </p:nvPicPr>
+        <p:blipFill>
+          <a:blip r:embed="rId3"/>
+          <a:stretch>
+            <a:fillRect/>
+          </a:stretch>
+        </p:blipFill>
+        <p:spPr>
+          <a:xfrm>
+            <a:off x="531586" y="1221819"/>
+            <a:ext cx="13253861" cy="6784211"/>
+          </a:xfrm>
+          <a:prstGeom prst="rect">
+            <a:avLst/>
+          </a:prstGeom>
+        </p:spPr>
+      </p:pic>
+    </p:spTree>
+    <p:extLst>
+      <p:ext uri="{BB962C8B-B14F-4D97-AF65-F5344CB8AC3E}">
+        <p14:creationId xmlns:p14="http://schemas.microsoft.com/office/powerpoint/2010/main" val="3669226148"/>
+      </p:ext>
+    </p:extLst>
+  </p:cSld>
+  <p:clrMapOvr>
+    <a:masterClrMapping/>
+  </p:clrMapOvr>
+</p:sld>
+</file>
+
+<file path=ppt/slides/slide14.xml><?xml version="1.0" encoding="utf-8"?>
+<p:sld xmlns:a="http://schemas.openxmlformats.org/drawingml/2006/main" xmlns:r="http://schemas.openxmlformats.org/officeDocument/2006/relationships" xmlns:p="http://schemas.openxmlformats.org/presentationml/2006/main">
+  <p:cSld>
+    <p:spTree>
+      <p:nvGrpSpPr>
+        <p:cNvPr id="1" name=""/>
+        <p:cNvGrpSpPr/>
+        <p:nvPr/>
+      </p:nvGrpSpPr>
+      <p:grpSpPr>
+        <a:xfrm>
+          <a:off x="0" y="0"/>
+          <a:ext cx="0" cy="0"/>
+          <a:chOff x="0" y="0"/>
+          <a:chExt cx="0" cy="0"/>
+        </a:xfrm>
+      </p:grpSpPr>
+      <p:sp>
+        <p:nvSpPr>
+          <p:cNvPr id="2" name="Shape 0"/>
+          <p:cNvSpPr/>
+          <p:nvPr/>
+        </p:nvSpPr>
+        <p:spPr>
+          <a:xfrm>
+            <a:off x="0" y="0"/>
+            <a:ext cx="14630400" cy="8229600"/>
+          </a:xfrm>
+          <a:prstGeom prst="rect">
+            <a:avLst/>
+          </a:prstGeom>
+          <a:solidFill>
+            <a:srgbClr val="50738C"/>
+          </a:solidFill>
+          <a:ln/>
+        </p:spPr>
+      </p:sp>
+      <p:sp>
+        <p:nvSpPr>
+          <p:cNvPr id="3" name="Shape 1"/>
+          <p:cNvSpPr/>
+          <p:nvPr/>
+        </p:nvSpPr>
+        <p:spPr>
+          <a:xfrm>
             <a:off x="0" y="-11151"/>
             <a:ext cx="14630400" cy="8229600"/>
           </a:xfrm>
@@ -3112,6 +3674,198 @@
 </file>
 
 <file path=ppt/slides/slide2.xml><?xml version="1.0" encoding="utf-8"?>
+<p:sld xmlns:a="http://schemas.openxmlformats.org/drawingml/2006/main" xmlns:r="http://schemas.openxmlformats.org/officeDocument/2006/relationships" xmlns:p="http://schemas.openxmlformats.org/presentationml/2006/main">
+  <p:cSld>
+    <p:spTree>
+      <p:nvGrpSpPr>
+        <p:cNvPr id="1" name=""/>
+        <p:cNvGrpSpPr/>
+        <p:nvPr/>
+      </p:nvGrpSpPr>
+      <p:grpSpPr>
+        <a:xfrm>
+          <a:off x="0" y="0"/>
+          <a:ext cx="0" cy="0"/>
+          <a:chOff x="0" y="0"/>
+          <a:chExt cx="0" cy="0"/>
+        </a:xfrm>
+      </p:grpSpPr>
+      <p:sp>
+        <p:nvSpPr>
+          <p:cNvPr id="2" name="Shape 0"/>
+          <p:cNvSpPr/>
+          <p:nvPr/>
+        </p:nvSpPr>
+        <p:spPr>
+          <a:xfrm>
+            <a:off x="0" y="0"/>
+            <a:ext cx="14630400" cy="8229600"/>
+          </a:xfrm>
+          <a:prstGeom prst="rect">
+            <a:avLst/>
+          </a:prstGeom>
+          <a:solidFill>
+            <a:srgbClr val="50738C"/>
+          </a:solidFill>
+          <a:ln/>
+        </p:spPr>
+      </p:sp>
+      <p:sp>
+        <p:nvSpPr>
+          <p:cNvPr id="3" name="Shape 1"/>
+          <p:cNvSpPr/>
+          <p:nvPr/>
+        </p:nvSpPr>
+        <p:spPr>
+          <a:xfrm>
+            <a:off x="0" y="-11151"/>
+            <a:ext cx="14630400" cy="8229600"/>
+          </a:xfrm>
+          <a:prstGeom prst="rect">
+            <a:avLst/>
+          </a:prstGeom>
+          <a:solidFill>
+            <a:srgbClr val="FFFCF5"/>
+          </a:solidFill>
+          <a:ln/>
+        </p:spPr>
+        <p:txBody>
+          <a:bodyPr/>
+          <a:lstStyle/>
+          <a:p>
+            <a:endParaRPr lang="en-IN"/>
+          </a:p>
+        </p:txBody>
+      </p:sp>
+      <p:sp>
+        <p:nvSpPr>
+          <p:cNvPr id="4" name="Text 2"/>
+          <p:cNvSpPr/>
+          <p:nvPr/>
+        </p:nvSpPr>
+        <p:spPr>
+          <a:xfrm>
+            <a:off x="1681154" y="1137424"/>
+            <a:ext cx="5554980" cy="694373"/>
+          </a:xfrm>
+          <a:prstGeom prst="rect">
+            <a:avLst/>
+          </a:prstGeom>
+          <a:noFill/>
+          <a:ln/>
+        </p:spPr>
+        <p:txBody>
+          <a:bodyPr wrap="none" rtlCol="0" anchor="t"/>
+          <a:lstStyle/>
+          <a:p>
+            <a:pPr marL="0" indent="0">
+              <a:lnSpc>
+                <a:spcPts val="5468"/>
+              </a:lnSpc>
+              <a:buNone/>
+            </a:pPr>
+            <a:r>
+              <a:rPr lang="en-US" sz="4374" dirty="0">
+                <a:solidFill>
+                  <a:srgbClr val="124E73"/>
+                </a:solidFill>
+                <a:latin typeface="MuseoModerno" pitchFamily="34" charset="0"/>
+                <a:ea typeface="MuseoModerno" pitchFamily="34" charset="-122"/>
+                <a:cs typeface="MuseoModerno" pitchFamily="34" charset="-120"/>
+              </a:rPr>
+              <a:t>Problem Statement</a:t>
+            </a:r>
+            <a:endParaRPr lang="en-US" sz="4374" dirty="0"/>
+          </a:p>
+        </p:txBody>
+      </p:sp>
+      <p:sp>
+        <p:nvSpPr>
+          <p:cNvPr id="5" name="Text 3"/>
+          <p:cNvSpPr/>
+          <p:nvPr/>
+        </p:nvSpPr>
+        <p:spPr>
+          <a:xfrm>
+            <a:off x="1681154" y="2306136"/>
+            <a:ext cx="10997783" cy="4618772"/>
+          </a:xfrm>
+          <a:prstGeom prst="rect">
+            <a:avLst/>
+          </a:prstGeom>
+          <a:noFill/>
+          <a:ln/>
+        </p:spPr>
+        <p:txBody>
+          <a:bodyPr wrap="square" rtlCol="0" anchor="t"/>
+          <a:lstStyle/>
+          <a:p>
+            <a:pPr algn="just">
+              <a:lnSpc>
+                <a:spcPct val="150000"/>
+              </a:lnSpc>
+            </a:pPr>
+            <a:r>
+              <a:rPr lang="en-US" sz="3600" dirty="0">
+                <a:latin typeface="MuseoModerno"/>
+                <a:ea typeface="+mn-lt"/>
+                <a:cs typeface="Times New Roman" panose="02020603050405020304" pitchFamily="18" charset="0"/>
+              </a:rPr>
+              <a:t>Create a powerful and secure keylogger software that effectively captures keystrokes on a target system, while also applying strong encryption and access controls to prevent unauthorized access to the captured data, ensuring privacy and integrity.</a:t>
+            </a:r>
+            <a:endParaRPr lang="en-US" sz="3600" dirty="0">
+              <a:latin typeface="MuseoModerno"/>
+              <a:ea typeface="Calibri"/>
+              <a:cs typeface="Calibri"/>
+            </a:endParaRPr>
+          </a:p>
+        </p:txBody>
+      </p:sp>
+      <p:sp>
+        <p:nvSpPr>
+          <p:cNvPr id="6" name="Text 4"/>
+          <p:cNvSpPr/>
+          <p:nvPr/>
+        </p:nvSpPr>
+        <p:spPr>
+          <a:xfrm>
+            <a:off x="2037993" y="5061823"/>
+            <a:ext cx="5006221" cy="1333024"/>
+          </a:xfrm>
+          <a:prstGeom prst="rect">
+            <a:avLst/>
+          </a:prstGeom>
+          <a:noFill/>
+          <a:ln/>
+        </p:spPr>
+        <p:txBody>
+          <a:bodyPr wrap="square" rtlCol="0" anchor="t"/>
+          <a:lstStyle/>
+          <a:p>
+            <a:pPr marL="0" indent="0">
+              <a:lnSpc>
+                <a:spcPts val="2624"/>
+              </a:lnSpc>
+              <a:buNone/>
+            </a:pPr>
+            <a:endParaRPr lang="en-US" sz="1750" dirty="0"/>
+          </a:p>
+        </p:txBody>
+      </p:sp>
+    </p:spTree>
+    <p:extLst>
+      <p:ext uri="{BB962C8B-B14F-4D97-AF65-F5344CB8AC3E}">
+        <p14:creationId xmlns:p14="http://schemas.microsoft.com/office/powerpoint/2010/main" val="1948560552"/>
+      </p:ext>
+    </p:extLst>
+  </p:cSld>
+  <p:clrMapOvr>
+    <a:masterClrMapping/>
+  </p:clrMapOvr>
+</p:sld>
+</file>
+
+<file path=ppt/slides/slide3.xml><?xml version="1.0" encoding="utf-8"?>
 <p:sld xmlns:a="http://schemas.openxmlformats.org/drawingml/2006/main" xmlns:r="http://schemas.openxmlformats.org/officeDocument/2006/relationships" xmlns:p="http://schemas.openxmlformats.org/presentationml/2006/main">
   <p:cSld name="Slide 2">
     <p:spTree>
@@ -3542,7 +4296,7 @@
 </p:sld>
 </file>
 
-<file path=ppt/slides/slide3.xml><?xml version="1.0" encoding="utf-8"?>
+<file path=ppt/slides/slide4.xml><?xml version="1.0" encoding="utf-8"?>
 <p:sld xmlns:a="http://schemas.openxmlformats.org/drawingml/2006/main" xmlns:r="http://schemas.openxmlformats.org/officeDocument/2006/relationships" xmlns:p="http://schemas.openxmlformats.org/presentationml/2006/main">
   <p:cSld name="Slide 3">
     <p:spTree>
@@ -3973,7 +4727,7 @@
 </p:sld>
 </file>
 
-<file path=ppt/slides/slide4.xml><?xml version="1.0" encoding="utf-8"?>
+<file path=ppt/slides/slide5.xml><?xml version="1.0" encoding="utf-8"?>
 <p:sld xmlns:a="http://schemas.openxmlformats.org/drawingml/2006/main" xmlns:r="http://schemas.openxmlformats.org/officeDocument/2006/relationships" xmlns:p="http://schemas.openxmlformats.org/presentationml/2006/main">
   <p:cSld name="Slide 4">
     <p:spTree>
@@ -4398,7 +5152,7 @@
 </p:sld>
 </file>
 
-<file path=ppt/slides/slide5.xml><?xml version="1.0" encoding="utf-8"?>
+<file path=ppt/slides/slide6.xml><?xml version="1.0" encoding="utf-8"?>
 <p:sld xmlns:a="http://schemas.openxmlformats.org/drawingml/2006/main" xmlns:r="http://schemas.openxmlformats.org/officeDocument/2006/relationships" xmlns:p="http://schemas.openxmlformats.org/presentationml/2006/main">
   <p:cSld name="Slide 5">
     <p:spTree>
@@ -4613,7 +5367,7 @@
 </p:sld>
 </file>
 
-<file path=ppt/slides/slide6.xml><?xml version="1.0" encoding="utf-8"?>
+<file path=ppt/slides/slide7.xml><?xml version="1.0" encoding="utf-8"?>
 <p:sld xmlns:a="http://schemas.openxmlformats.org/drawingml/2006/main" xmlns:r="http://schemas.openxmlformats.org/officeDocument/2006/relationships" xmlns:p="http://schemas.openxmlformats.org/presentationml/2006/main">
   <p:cSld name="Slide 6">
     <p:spTree>
@@ -5078,7 +5832,7 @@
 </p:sld>
 </file>
 
-<file path=ppt/slides/slide7.xml><?xml version="1.0" encoding="utf-8"?>
+<file path=ppt/slides/slide8.xml><?xml version="1.0" encoding="utf-8"?>
 <p:sld xmlns:a="http://schemas.openxmlformats.org/drawingml/2006/main" xmlns:r="http://schemas.openxmlformats.org/officeDocument/2006/relationships" xmlns:p="http://schemas.openxmlformats.org/presentationml/2006/main">
   <p:cSld name="Slide 7">
     <p:spTree>
@@ -5879,7 +6633,7 @@
 </p:sld>
 </file>
 
-<file path=ppt/slides/slide8.xml><?xml version="1.0" encoding="utf-8"?>
+<file path=ppt/slides/slide9.xml><?xml version="1.0" encoding="utf-8"?>
 <p:sld xmlns:a="http://schemas.openxmlformats.org/drawingml/2006/main" xmlns:r="http://schemas.openxmlformats.org/officeDocument/2006/relationships" xmlns:p="http://schemas.openxmlformats.org/presentationml/2006/main">
   <p:cSld name="Slide 8">
     <p:spTree>
@@ -6565,483 +7319,6 @@
                 <a:cs typeface="Source Sans Pro" pitchFamily="34" charset="-120"/>
               </a:rPr>
               <a:t>Many keyloggers allow remote access, enabling the attacker to view the captured data from a separate location.</a:t>
-            </a:r>
-            <a:endParaRPr lang="en-US" sz="1750" dirty="0"/>
-          </a:p>
-        </p:txBody>
-      </p:sp>
-    </p:spTree>
-  </p:cSld>
-  <p:clrMapOvr>
-    <a:masterClrMapping/>
-  </p:clrMapOvr>
-</p:sld>
-</file>
-
-<file path=ppt/slides/slide9.xml><?xml version="1.0" encoding="utf-8"?>
-<p:sld xmlns:a="http://schemas.openxmlformats.org/drawingml/2006/main" xmlns:r="http://schemas.openxmlformats.org/officeDocument/2006/relationships" xmlns:p="http://schemas.openxmlformats.org/presentationml/2006/main">
-  <p:cSld name="Slide 9">
-    <p:spTree>
-      <p:nvGrpSpPr>
-        <p:cNvPr id="1" name=""/>
-        <p:cNvGrpSpPr/>
-        <p:nvPr/>
-      </p:nvGrpSpPr>
-      <p:grpSpPr>
-        <a:xfrm>
-          <a:off x="0" y="0"/>
-          <a:ext cx="0" cy="0"/>
-          <a:chOff x="0" y="0"/>
-          <a:chExt cx="0" cy="0"/>
-        </a:xfrm>
-      </p:grpSpPr>
-      <p:sp>
-        <p:nvSpPr>
-          <p:cNvPr id="2" name="Shape 0"/>
-          <p:cNvSpPr/>
-          <p:nvPr/>
-        </p:nvSpPr>
-        <p:spPr>
-          <a:xfrm>
-            <a:off x="0" y="0"/>
-            <a:ext cx="14630400" cy="8229600"/>
-          </a:xfrm>
-          <a:prstGeom prst="rect">
-            <a:avLst/>
-          </a:prstGeom>
-          <a:solidFill>
-            <a:srgbClr val="50738C"/>
-          </a:solidFill>
-          <a:ln/>
-        </p:spPr>
-      </p:sp>
-      <p:sp>
-        <p:nvSpPr>
-          <p:cNvPr id="3" name="Shape 1"/>
-          <p:cNvSpPr/>
-          <p:nvPr/>
-        </p:nvSpPr>
-        <p:spPr>
-          <a:xfrm>
-            <a:off x="0" y="0"/>
-            <a:ext cx="14630400" cy="8229600"/>
-          </a:xfrm>
-          <a:prstGeom prst="rect">
-            <a:avLst/>
-          </a:prstGeom>
-          <a:solidFill>
-            <a:srgbClr val="FFFCF5"/>
-          </a:solidFill>
-          <a:ln/>
-        </p:spPr>
-      </p:sp>
-      <p:pic>
-        <p:nvPicPr>
-          <p:cNvPr id="4" name="Image 0" descr="preencoded.png"/>
-          <p:cNvPicPr>
-            <a:picLocks noChangeAspect="1"/>
-          </p:cNvPicPr>
-          <p:nvPr/>
-        </p:nvPicPr>
-        <p:blipFill>
-          <a:blip r:embed="rId3"/>
-          <a:stretch>
-            <a:fillRect/>
-          </a:stretch>
-        </p:blipFill>
-        <p:spPr>
-          <a:xfrm>
-            <a:off x="0" y="0"/>
-            <a:ext cx="14630400" cy="8229600"/>
-          </a:xfrm>
-          <a:prstGeom prst="rect">
-            <a:avLst/>
-          </a:prstGeom>
-        </p:spPr>
-      </p:pic>
-      <p:sp>
-        <p:nvSpPr>
-          <p:cNvPr id="5" name="Shape 2"/>
-          <p:cNvSpPr/>
-          <p:nvPr/>
-        </p:nvSpPr>
-        <p:spPr>
-          <a:xfrm>
-            <a:off x="0" y="0"/>
-            <a:ext cx="14630400" cy="8229600"/>
-          </a:xfrm>
-          <a:prstGeom prst="rect">
-            <a:avLst/>
-          </a:prstGeom>
-          <a:solidFill>
-            <a:srgbClr val="FFFCF5">
-              <a:alpha val="85000"/>
-            </a:srgbClr>
-          </a:solidFill>
-          <a:ln/>
-        </p:spPr>
-      </p:sp>
-      <p:sp>
-        <p:nvSpPr>
-          <p:cNvPr id="6" name="Text 3"/>
-          <p:cNvSpPr/>
-          <p:nvPr/>
-        </p:nvSpPr>
-        <p:spPr>
-          <a:xfrm>
-            <a:off x="2037993" y="934760"/>
-            <a:ext cx="9271754" cy="694373"/>
-          </a:xfrm>
-          <a:prstGeom prst="rect">
-            <a:avLst/>
-          </a:prstGeom>
-          <a:noFill/>
-          <a:ln/>
-        </p:spPr>
-        <p:txBody>
-          <a:bodyPr wrap="none" rtlCol="0" anchor="t"/>
-          <a:lstStyle/>
-          <a:p>
-            <a:pPr marL="0" indent="0">
-              <a:lnSpc>
-                <a:spcPts val="5468"/>
-              </a:lnSpc>
-              <a:buNone/>
-            </a:pPr>
-            <a:r>
-              <a:rPr lang="en-US" sz="4374" dirty="0">
-                <a:solidFill>
-                  <a:srgbClr val="124E73"/>
-                </a:solidFill>
-                <a:latin typeface="MuseoModerno" pitchFamily="34" charset="0"/>
-                <a:ea typeface="MuseoModerno" pitchFamily="34" charset="-122"/>
-                <a:cs typeface="MuseoModerno" pitchFamily="34" charset="-120"/>
-              </a:rPr>
-              <a:t>Keylogger Deployment and Usage</a:t>
-            </a:r>
-            <a:endParaRPr lang="en-US" sz="4374" dirty="0"/>
-          </a:p>
-        </p:txBody>
-      </p:sp>
-      <p:pic>
-        <p:nvPicPr>
-          <p:cNvPr id="7" name="Image 1" descr="preencoded.png"/>
-          <p:cNvPicPr>
-            <a:picLocks noChangeAspect="1"/>
-          </p:cNvPicPr>
-          <p:nvPr/>
-        </p:nvPicPr>
-        <p:blipFill>
-          <a:blip r:embed="rId4"/>
-          <a:stretch>
-            <a:fillRect/>
-          </a:stretch>
-        </p:blipFill>
-        <p:spPr>
-          <a:xfrm>
-            <a:off x="2037993" y="1962388"/>
-            <a:ext cx="1110972" cy="1777484"/>
-          </a:xfrm>
-          <a:prstGeom prst="rect">
-            <a:avLst/>
-          </a:prstGeom>
-        </p:spPr>
-      </p:pic>
-      <p:sp>
-        <p:nvSpPr>
-          <p:cNvPr id="8" name="Text 4"/>
-          <p:cNvSpPr/>
-          <p:nvPr/>
-        </p:nvSpPr>
-        <p:spPr>
-          <a:xfrm>
-            <a:off x="3482221" y="2184559"/>
-            <a:ext cx="2777490" cy="347186"/>
-          </a:xfrm>
-          <a:prstGeom prst="rect">
-            <a:avLst/>
-          </a:prstGeom>
-          <a:noFill/>
-          <a:ln/>
-        </p:spPr>
-        <p:txBody>
-          <a:bodyPr wrap="none" rtlCol="0" anchor="t"/>
-          <a:lstStyle/>
-          <a:p>
-            <a:pPr marL="0" indent="0" algn="l">
-              <a:lnSpc>
-                <a:spcPts val="2734"/>
-              </a:lnSpc>
-              <a:buNone/>
-            </a:pPr>
-            <a:r>
-              <a:rPr lang="en-US" sz="2187" dirty="0">
-                <a:solidFill>
-                  <a:srgbClr val="124E73"/>
-                </a:solidFill>
-                <a:latin typeface="MuseoModerno" pitchFamily="34" charset="0"/>
-                <a:ea typeface="MuseoModerno" pitchFamily="34" charset="-122"/>
-                <a:cs typeface="MuseoModerno" pitchFamily="34" charset="-120"/>
-              </a:rPr>
-              <a:t>Delivery Methods</a:t>
-            </a:r>
-            <a:endParaRPr lang="en-US" sz="2187" dirty="0"/>
-          </a:p>
-        </p:txBody>
-      </p:sp>
-      <p:sp>
-        <p:nvSpPr>
-          <p:cNvPr id="9" name="Text 5"/>
-          <p:cNvSpPr/>
-          <p:nvPr/>
-        </p:nvSpPr>
-        <p:spPr>
-          <a:xfrm>
-            <a:off x="3482221" y="2664976"/>
-            <a:ext cx="9110186" cy="666512"/>
-          </a:xfrm>
-          <a:prstGeom prst="rect">
-            <a:avLst/>
-          </a:prstGeom>
-          <a:noFill/>
-          <a:ln/>
-        </p:spPr>
-        <p:txBody>
-          <a:bodyPr wrap="square" rtlCol="0" anchor="t"/>
-          <a:lstStyle/>
-          <a:p>
-            <a:pPr marL="0" indent="0" algn="l">
-              <a:lnSpc>
-                <a:spcPts val="2624"/>
-              </a:lnSpc>
-              <a:buNone/>
-            </a:pPr>
-            <a:r>
-              <a:rPr lang="en-US" sz="1750" dirty="0">
-                <a:solidFill>
-                  <a:srgbClr val="2B4150"/>
-                </a:solidFill>
-                <a:latin typeface="Source Sans Pro" pitchFamily="34" charset="0"/>
-                <a:ea typeface="Source Sans Pro" pitchFamily="34" charset="-122"/>
-                <a:cs typeface="Source Sans Pro" pitchFamily="34" charset="-120"/>
-              </a:rPr>
-              <a:t>Keyloggers can be deployed through various means, such as physical installation on a target device or remote distribution via email attachments or malicious downloads.</a:t>
-            </a:r>
-            <a:endParaRPr lang="en-US" sz="1750" dirty="0"/>
-          </a:p>
-        </p:txBody>
-      </p:sp>
-      <p:pic>
-        <p:nvPicPr>
-          <p:cNvPr id="10" name="Image 2" descr="preencoded.png"/>
-          <p:cNvPicPr>
-            <a:picLocks noChangeAspect="1"/>
-          </p:cNvPicPr>
-          <p:nvPr/>
-        </p:nvPicPr>
-        <p:blipFill>
-          <a:blip r:embed="rId5"/>
-          <a:stretch>
-            <a:fillRect/>
-          </a:stretch>
-        </p:blipFill>
-        <p:spPr>
-          <a:xfrm>
-            <a:off x="2037993" y="3739872"/>
-            <a:ext cx="1110972" cy="1777484"/>
-          </a:xfrm>
-          <a:prstGeom prst="rect">
-            <a:avLst/>
-          </a:prstGeom>
-        </p:spPr>
-      </p:pic>
-      <p:sp>
-        <p:nvSpPr>
-          <p:cNvPr id="11" name="Text 6"/>
-          <p:cNvSpPr/>
-          <p:nvPr/>
-        </p:nvSpPr>
-        <p:spPr>
-          <a:xfrm>
-            <a:off x="3482221" y="3962043"/>
-            <a:ext cx="2777490" cy="347186"/>
-          </a:xfrm>
-          <a:prstGeom prst="rect">
-            <a:avLst/>
-          </a:prstGeom>
-          <a:noFill/>
-          <a:ln/>
-        </p:spPr>
-        <p:txBody>
-          <a:bodyPr wrap="none" rtlCol="0" anchor="t"/>
-          <a:lstStyle/>
-          <a:p>
-            <a:pPr marL="0" indent="0" algn="l">
-              <a:lnSpc>
-                <a:spcPts val="2734"/>
-              </a:lnSpc>
-              <a:buNone/>
-            </a:pPr>
-            <a:r>
-              <a:rPr lang="en-US" sz="2187" dirty="0">
-                <a:solidFill>
-                  <a:srgbClr val="124E73"/>
-                </a:solidFill>
-                <a:latin typeface="MuseoModerno" pitchFamily="34" charset="0"/>
-                <a:ea typeface="MuseoModerno" pitchFamily="34" charset="-122"/>
-                <a:cs typeface="MuseoModerno" pitchFamily="34" charset="-120"/>
-              </a:rPr>
-              <a:t>Stealth Operation</a:t>
-            </a:r>
-            <a:endParaRPr lang="en-US" sz="2187" dirty="0"/>
-          </a:p>
-        </p:txBody>
-      </p:sp>
-      <p:sp>
-        <p:nvSpPr>
-          <p:cNvPr id="12" name="Text 7"/>
-          <p:cNvSpPr/>
-          <p:nvPr/>
-        </p:nvSpPr>
-        <p:spPr>
-          <a:xfrm>
-            <a:off x="3482221" y="4442460"/>
-            <a:ext cx="9110186" cy="666512"/>
-          </a:xfrm>
-          <a:prstGeom prst="rect">
-            <a:avLst/>
-          </a:prstGeom>
-          <a:noFill/>
-          <a:ln/>
-        </p:spPr>
-        <p:txBody>
-          <a:bodyPr wrap="square" rtlCol="0" anchor="t"/>
-          <a:lstStyle/>
-          <a:p>
-            <a:pPr marL="0" indent="0" algn="l">
-              <a:lnSpc>
-                <a:spcPts val="2624"/>
-              </a:lnSpc>
-              <a:buNone/>
-            </a:pPr>
-            <a:r>
-              <a:rPr lang="en-US" sz="1750" dirty="0">
-                <a:solidFill>
-                  <a:srgbClr val="2B4150"/>
-                </a:solidFill>
-                <a:latin typeface="Source Sans Pro" pitchFamily="34" charset="0"/>
-                <a:ea typeface="Source Sans Pro" pitchFamily="34" charset="-122"/>
-                <a:cs typeface="Source Sans Pro" pitchFamily="34" charset="-120"/>
-              </a:rPr>
-              <a:t>Advanced keyloggers employ sophisticated techniques to remain undetected, including hiding in system processes, utilizing encrypted communications, and mimicking legitimate software.</a:t>
-            </a:r>
-            <a:endParaRPr lang="en-US" sz="1750" dirty="0"/>
-          </a:p>
-        </p:txBody>
-      </p:sp>
-      <p:pic>
-        <p:nvPicPr>
-          <p:cNvPr id="13" name="Image 3" descr="preencoded.png"/>
-          <p:cNvPicPr>
-            <a:picLocks noChangeAspect="1"/>
-          </p:cNvPicPr>
-          <p:nvPr/>
-        </p:nvPicPr>
-        <p:blipFill>
-          <a:blip r:embed="rId6"/>
-          <a:stretch>
-            <a:fillRect/>
-          </a:stretch>
-        </p:blipFill>
-        <p:spPr>
-          <a:xfrm>
-            <a:off x="2037993" y="5517356"/>
-            <a:ext cx="1110972" cy="1777484"/>
-          </a:xfrm>
-          <a:prstGeom prst="rect">
-            <a:avLst/>
-          </a:prstGeom>
-        </p:spPr>
-      </p:pic>
-      <p:sp>
-        <p:nvSpPr>
-          <p:cNvPr id="14" name="Text 8"/>
-          <p:cNvSpPr/>
-          <p:nvPr/>
-        </p:nvSpPr>
-        <p:spPr>
-          <a:xfrm>
-            <a:off x="3482221" y="5739527"/>
-            <a:ext cx="2777490" cy="347186"/>
-          </a:xfrm>
-          <a:prstGeom prst="rect">
-            <a:avLst/>
-          </a:prstGeom>
-          <a:noFill/>
-          <a:ln/>
-        </p:spPr>
-        <p:txBody>
-          <a:bodyPr wrap="none" rtlCol="0" anchor="t"/>
-          <a:lstStyle/>
-          <a:p>
-            <a:pPr marL="0" indent="0" algn="l">
-              <a:lnSpc>
-                <a:spcPts val="2734"/>
-              </a:lnSpc>
-              <a:buNone/>
-            </a:pPr>
-            <a:r>
-              <a:rPr lang="en-US" sz="2187" dirty="0">
-                <a:solidFill>
-                  <a:srgbClr val="124E73"/>
-                </a:solidFill>
-                <a:latin typeface="MuseoModerno" pitchFamily="34" charset="0"/>
-                <a:ea typeface="MuseoModerno" pitchFamily="34" charset="-122"/>
-                <a:cs typeface="MuseoModerno" pitchFamily="34" charset="-120"/>
-              </a:rPr>
-              <a:t>Data Collection</a:t>
-            </a:r>
-            <a:endParaRPr lang="en-US" sz="2187" dirty="0"/>
-          </a:p>
-        </p:txBody>
-      </p:sp>
-      <p:sp>
-        <p:nvSpPr>
-          <p:cNvPr id="15" name="Text 9"/>
-          <p:cNvSpPr/>
-          <p:nvPr/>
-        </p:nvSpPr>
-        <p:spPr>
-          <a:xfrm>
-            <a:off x="3482221" y="6219944"/>
-            <a:ext cx="9110186" cy="666512"/>
-          </a:xfrm>
-          <a:prstGeom prst="rect">
-            <a:avLst/>
-          </a:prstGeom>
-          <a:noFill/>
-          <a:ln/>
-        </p:spPr>
-        <p:txBody>
-          <a:bodyPr wrap="square" rtlCol="0" anchor="t"/>
-          <a:lstStyle/>
-          <a:p>
-            <a:pPr marL="0" indent="0" algn="l">
-              <a:lnSpc>
-                <a:spcPts val="2624"/>
-              </a:lnSpc>
-              <a:buNone/>
-            </a:pPr>
-            <a:r>
-              <a:rPr lang="en-US" sz="1750" dirty="0">
-                <a:solidFill>
-                  <a:srgbClr val="2B4150"/>
-                </a:solidFill>
-                <a:latin typeface="Source Sans Pro" pitchFamily="34" charset="0"/>
-                <a:ea typeface="Source Sans Pro" pitchFamily="34" charset="-122"/>
-                <a:cs typeface="Source Sans Pro" pitchFamily="34" charset="-120"/>
-              </a:rPr>
-              <a:t>Keyloggers silently record user input, including keystrokes, passwords, and sensitive information, storing the data for later retrieval or transmission to the attacker.</a:t>
             </a:r>
             <a:endParaRPr lang="en-US" sz="1750" dirty="0"/>
           </a:p>
